--- a/material/설계도 - 모식도.pptx
+++ b/material/설계도 - 모식도.pptx
@@ -11,7 +11,7 @@
     <p:sldId id="256" r:id="rId2"/>
     <p:sldId id="259" r:id="rId3"/>
     <p:sldId id="257" r:id="rId4"/>
-    <p:sldId id="261" r:id="rId5"/>
+    <p:sldId id="260" r:id="rId5"/>
   </p:sldIdLst>
   <p:sldSz cx="12192000" cy="6858000"/>
   <p:notesSz cx="6858000" cy="9144000"/>
@@ -110,6 +110,11 @@
       </a:defRPr>
     </a:lvl9pPr>
   </p:defaultTextStyle>
+  <p:extLst>
+    <p:ext uri="{EFAFB233-063F-42B5-8137-9DF3F51BA10A}">
+      <p15:sldGuideLst xmlns:p15="http://schemas.microsoft.com/office/powerpoint/2012/main"/>
+    </p:ext>
+  </p:extLst>
 </p:presentation>
 </file>
 
@@ -736,110 +741,6 @@
     <p:extLst>
       <p:ext uri="{BB962C8B-B14F-4D97-AF65-F5344CB8AC3E}">
         <p14:creationId xmlns:p14="http://schemas.microsoft.com/office/powerpoint/2010/main" val="389176870"/>
-      </p:ext>
-    </p:extLst>
-  </p:cSld>
-  <p:clrMapOvr>
-    <a:masterClrMapping/>
-  </p:clrMapOvr>
-</p:notes>
-</file>
-
-<file path=ppt/notesSlides/notesSlide4.xml><?xml version="1.0" encoding="utf-8"?>
-<p:notes xmlns:a="http://schemas.openxmlformats.org/drawingml/2006/main" xmlns:r="http://schemas.openxmlformats.org/officeDocument/2006/relationships" xmlns:p="http://schemas.openxmlformats.org/presentationml/2006/main">
-  <p:cSld>
-    <p:spTree>
-      <p:nvGrpSpPr>
-        <p:cNvPr id="1" name=""/>
-        <p:cNvGrpSpPr/>
-        <p:nvPr/>
-      </p:nvGrpSpPr>
-      <p:grpSpPr>
-        <a:xfrm>
-          <a:off x="0" y="0"/>
-          <a:ext cx="0" cy="0"/>
-          <a:chOff x="0" y="0"/>
-          <a:chExt cx="0" cy="0"/>
-        </a:xfrm>
-      </p:grpSpPr>
-      <p:sp>
-        <p:nvSpPr>
-          <p:cNvPr id="2" name="슬라이드 이미지 개체 틀 1"/>
-          <p:cNvSpPr>
-            <a:spLocks noGrp="1" noRot="1" noChangeAspect="1"/>
-          </p:cNvSpPr>
-          <p:nvPr>
-            <p:ph type="sldImg"/>
-          </p:nvPr>
-        </p:nvSpPr>
-        <p:spPr/>
-      </p:sp>
-      <p:sp>
-        <p:nvSpPr>
-          <p:cNvPr id="3" name="슬라이드 노트 개체 틀 2"/>
-          <p:cNvSpPr>
-            <a:spLocks noGrp="1"/>
-          </p:cNvSpPr>
-          <p:nvPr>
-            <p:ph type="body" idx="1"/>
-          </p:nvPr>
-        </p:nvSpPr>
-        <p:spPr/>
-        <p:txBody>
-          <a:bodyPr/>
-          <a:lstStyle/>
-          <a:p>
-            <a:r>
-              <a:rPr lang="en-US" altLang="ko-KR" dirty="0"/>
-              <a:t>“</a:t>
-            </a:r>
-            <a:r>
-              <a:rPr lang="ko-KR" altLang="en-US" dirty="0"/>
-              <a:t>암석</a:t>
-            </a:r>
-            <a:r>
-              <a:rPr lang="en-US" altLang="ko-KR" dirty="0"/>
-              <a:t>”</a:t>
-            </a:r>
-            <a:r>
-              <a:rPr lang="ko-KR" altLang="en-US" dirty="0"/>
-              <a:t>과 가까운 단어는</a:t>
-            </a:r>
-            <a:r>
-              <a:rPr lang="en-US" altLang="ko-KR" dirty="0"/>
-              <a:t>?</a:t>
-            </a:r>
-            <a:endParaRPr lang="ko-KR" altLang="en-US" dirty="0"/>
-          </a:p>
-        </p:txBody>
-      </p:sp>
-      <p:sp>
-        <p:nvSpPr>
-          <p:cNvPr id="4" name="슬라이드 번호 개체 틀 3"/>
-          <p:cNvSpPr>
-            <a:spLocks noGrp="1"/>
-          </p:cNvSpPr>
-          <p:nvPr>
-            <p:ph type="sldNum" sz="quarter" idx="5"/>
-          </p:nvPr>
-        </p:nvSpPr>
-        <p:spPr/>
-        <p:txBody>
-          <a:bodyPr/>
-          <a:lstStyle/>
-          <a:p>
-            <a:fld id="{0A609B83-C460-4559-8207-380281D23192}" type="slidenum">
-              <a:rPr lang="ko-KR" altLang="en-US" smtClean="0"/>
-              <a:t>4</a:t>
-            </a:fld>
-            <a:endParaRPr lang="ko-KR" altLang="en-US"/>
-          </a:p>
-        </p:txBody>
-      </p:sp>
-    </p:spTree>
-    <p:extLst>
-      <p:ext uri="{BB962C8B-B14F-4D97-AF65-F5344CB8AC3E}">
-        <p14:creationId xmlns:p14="http://schemas.microsoft.com/office/powerpoint/2010/main" val="1093608659"/>
       </p:ext>
     </p:extLst>
   </p:cSld>
@@ -6388,10 +6289,10 @@
       </p:grpSpPr>
       <p:sp>
         <p:nvSpPr>
-          <p:cNvPr id="8" name="사각형: 둥근 모서리 7">
-            <a:extLst>
-              <a:ext uri="{FF2B5EF4-FFF2-40B4-BE49-F238E27FC236}">
-                <a16:creationId xmlns:a16="http://schemas.microsoft.com/office/drawing/2014/main" id="{33A602CC-09D6-941D-678B-24B88DEA2354}"/>
+          <p:cNvPr id="4" name="사각형: 둥근 모서리 3">
+            <a:extLst>
+              <a:ext uri="{FF2B5EF4-FFF2-40B4-BE49-F238E27FC236}">
+                <a16:creationId xmlns:a16="http://schemas.microsoft.com/office/drawing/2014/main" id="{CDC0CAD5-2C12-C593-7A59-5B5BCAE7413B}"/>
               </a:ext>
             </a:extLst>
           </p:cNvPr>
@@ -6400,25 +6301,12 @@
         </p:nvSpPr>
         <p:spPr>
           <a:xfrm>
-            <a:off x="2309093" y="249383"/>
-            <a:ext cx="6724072" cy="794327"/>
+            <a:off x="3440784" y="292231"/>
+            <a:ext cx="4873657" cy="810705"/>
           </a:xfrm>
           <a:prstGeom prst="roundRect">
             <a:avLst/>
           </a:prstGeom>
-          <a:solidFill>
-            <a:schemeClr val="bg1">
-              <a:lumMod val="75000"/>
-            </a:schemeClr>
-          </a:solidFill>
-          <a:ln w="31750">
-            <a:solidFill>
-              <a:schemeClr val="tx1">
-                <a:lumMod val="75000"/>
-                <a:lumOff val="25000"/>
-              </a:schemeClr>
-            </a:solidFill>
-          </a:ln>
         </p:spPr>
         <p:style>
           <a:lnRef idx="2">
@@ -6442,101 +6330,19 @@
           <a:p>
             <a:pPr algn="ctr"/>
             <a:r>
-              <a:rPr lang="en-US" altLang="ko-KR" sz="3200" b="1" dirty="0">
-                <a:solidFill>
-                  <a:schemeClr val="bg1"/>
-                </a:solidFill>
-                <a:effectLst>
-                  <a:outerShdw blurRad="38100" dist="38100" dir="2700000" algn="tl">
-                    <a:srgbClr val="000000">
-                      <a:alpha val="43137"/>
-                    </a:srgbClr>
-                  </a:outerShdw>
-                </a:effectLst>
-              </a:rPr>
-              <a:t>Model</a:t>
-            </a:r>
-            <a:r>
-              <a:rPr lang="ko-KR" altLang="en-US" sz="3200" b="1" dirty="0">
-                <a:solidFill>
-                  <a:schemeClr val="bg1"/>
-                </a:solidFill>
-                <a:effectLst>
-                  <a:outerShdw blurRad="38100" dist="38100" dir="2700000" algn="tl">
-                    <a:srgbClr val="000000">
-                      <a:alpha val="43137"/>
-                    </a:srgbClr>
-                  </a:outerShdw>
-                </a:effectLst>
-              </a:rPr>
-              <a:t> </a:t>
-            </a:r>
-            <a:r>
-              <a:rPr lang="en-US" altLang="ko-KR" sz="3200" b="1" dirty="0">
-                <a:solidFill>
-                  <a:schemeClr val="bg1"/>
-                </a:solidFill>
-                <a:effectLst>
-                  <a:outerShdw blurRad="38100" dist="38100" dir="2700000" algn="tl">
-                    <a:srgbClr val="000000">
-                      <a:alpha val="43137"/>
-                    </a:srgbClr>
-                  </a:outerShdw>
-                </a:effectLst>
-              </a:rPr>
-              <a:t>-</a:t>
-            </a:r>
-            <a:r>
-              <a:rPr lang="en-US" altLang="ko-KR" sz="3200" b="1" dirty="0">
-                <a:solidFill>
-                  <a:schemeClr val="tx1"/>
-                </a:solidFill>
-                <a:effectLst>
-                  <a:outerShdw blurRad="38100" dist="38100" dir="2700000" algn="tl">
-                    <a:srgbClr val="000000">
-                      <a:alpha val="43137"/>
-                    </a:srgbClr>
-                  </a:outerShdw>
-                </a:effectLst>
-              </a:rPr>
-              <a:t> </a:t>
-            </a:r>
-            <a:r>
-              <a:rPr lang="en-US" altLang="ko-KR" sz="3200" b="1" dirty="0" err="1">
-                <a:solidFill>
-                  <a:schemeClr val="tx1"/>
-                </a:solidFill>
-                <a:effectLst>
-                  <a:outerShdw blurRad="38100" dist="38100" dir="2700000" algn="tl">
-                    <a:srgbClr val="000000">
-                      <a:alpha val="43137"/>
-                    </a:srgbClr>
-                  </a:outerShdw>
-                </a:effectLst>
-              </a:rPr>
-              <a:t>Pytorch</a:t>
-            </a:r>
-            <a:endParaRPr lang="en-US" altLang="ko-KR" sz="3200" b="1" dirty="0">
-              <a:solidFill>
-                <a:schemeClr val="tx1"/>
-              </a:solidFill>
-              <a:effectLst>
-                <a:outerShdw blurRad="38100" dist="38100" dir="2700000" algn="tl">
-                  <a:srgbClr val="000000">
-                    <a:alpha val="43137"/>
-                  </a:srgbClr>
-                </a:outerShdw>
-              </a:effectLst>
-            </a:endParaRPr>
-          </a:p>
-        </p:txBody>
-      </p:sp>
-      <p:sp>
-        <p:nvSpPr>
-          <p:cNvPr id="7" name="사각형: 둥근 모서리 6">
-            <a:extLst>
-              <a:ext uri="{FF2B5EF4-FFF2-40B4-BE49-F238E27FC236}">
-                <a16:creationId xmlns:a16="http://schemas.microsoft.com/office/drawing/2014/main" id="{7F0C4BA0-270C-279C-0294-E4EE142F9F44}"/>
+              <a:rPr lang="en-US" altLang="ko-KR" dirty="0"/>
+              <a:t>System</a:t>
+            </a:r>
+            <a:endParaRPr lang="ko-KR" altLang="en-US" dirty="0"/>
+          </a:p>
+        </p:txBody>
+      </p:sp>
+      <p:sp>
+        <p:nvSpPr>
+          <p:cNvPr id="6" name="직사각형 5">
+            <a:extLst>
+              <a:ext uri="{FF2B5EF4-FFF2-40B4-BE49-F238E27FC236}">
+                <a16:creationId xmlns:a16="http://schemas.microsoft.com/office/drawing/2014/main" id="{5ADA88AA-25A2-7991-F3C9-3FEECEC34A1C}"/>
               </a:ext>
             </a:extLst>
           </p:cNvPr>
@@ -6545,26 +6351,12 @@
         </p:nvSpPr>
         <p:spPr>
           <a:xfrm>
-            <a:off x="472031" y="1477818"/>
-            <a:ext cx="3037787" cy="2460943"/>
+            <a:off x="1131219" y="1442300"/>
+            <a:ext cx="2488676" cy="584462"/>
           </a:xfrm>
-          <a:prstGeom prst="roundRect">
+          <a:prstGeom prst="rect">
             <a:avLst/>
           </a:prstGeom>
-          <a:solidFill>
-            <a:schemeClr val="accent2">
-              <a:lumMod val="40000"/>
-              <a:lumOff val="60000"/>
-              <a:alpha val="50000"/>
-            </a:schemeClr>
-          </a:solidFill>
-          <a:ln w="31750">
-            <a:solidFill>
-              <a:schemeClr val="tx1">
-                <a:alpha val="50000"/>
-              </a:schemeClr>
-            </a:solidFill>
-          </a:ln>
         </p:spPr>
         <p:style>
           <a:lnRef idx="2">
@@ -6583,31 +6375,24 @@
           </a:fontRef>
         </p:style>
         <p:txBody>
-          <a:bodyPr rtlCol="0" anchor="t"/>
-          <a:lstStyle/>
-          <a:p>
-            <a:r>
-              <a:rPr lang="en-US" altLang="ko-KR" b="1" dirty="0">
-                <a:solidFill>
-                  <a:srgbClr val="FF0000"/>
-                </a:solidFill>
-              </a:rPr>
-              <a:t>[CBOW model]</a:t>
-            </a:r>
-            <a:endParaRPr lang="ko-KR" altLang="en-US" b="1" dirty="0">
-              <a:solidFill>
-                <a:srgbClr val="FF0000"/>
-              </a:solidFill>
-            </a:endParaRPr>
-          </a:p>
-        </p:txBody>
-      </p:sp>
-      <p:sp>
-        <p:nvSpPr>
-          <p:cNvPr id="21" name="사각형: 둥근 모서리 20">
-            <a:extLst>
-              <a:ext uri="{FF2B5EF4-FFF2-40B4-BE49-F238E27FC236}">
-                <a16:creationId xmlns:a16="http://schemas.microsoft.com/office/drawing/2014/main" id="{D52B9D2E-F3F3-622B-55DE-EAB5BD21C333}"/>
+          <a:bodyPr rtlCol="0" anchor="ctr"/>
+          <a:lstStyle/>
+          <a:p>
+            <a:pPr algn="ctr"/>
+            <a:r>
+              <a:rPr lang="en-US" altLang="ko-KR" dirty="0"/>
+              <a:t>Front (svelte)</a:t>
+            </a:r>
+            <a:endParaRPr lang="ko-KR" altLang="en-US" dirty="0"/>
+          </a:p>
+        </p:txBody>
+      </p:sp>
+      <p:sp>
+        <p:nvSpPr>
+          <p:cNvPr id="7" name="직사각형 6">
+            <a:extLst>
+              <a:ext uri="{FF2B5EF4-FFF2-40B4-BE49-F238E27FC236}">
+                <a16:creationId xmlns:a16="http://schemas.microsoft.com/office/drawing/2014/main" id="{4BAE5E6C-58F0-32A5-0DFE-0E6E0EF514B5}"/>
               </a:ext>
             </a:extLst>
           </p:cNvPr>
@@ -6616,27 +6401,12 @@
         </p:nvSpPr>
         <p:spPr>
           <a:xfrm>
-            <a:off x="3851565" y="1477818"/>
-            <a:ext cx="7536871" cy="5130799"/>
+            <a:off x="1206631" y="2441540"/>
+            <a:ext cx="1329179" cy="452486"/>
           </a:xfrm>
-          <a:prstGeom prst="roundRect">
+          <a:prstGeom prst="rect">
             <a:avLst/>
           </a:prstGeom>
-          <a:solidFill>
-            <a:schemeClr val="accent1">
-              <a:lumMod val="60000"/>
-              <a:lumOff val="40000"/>
-              <a:alpha val="50000"/>
-            </a:schemeClr>
-          </a:solidFill>
-          <a:ln w="31750">
-            <a:solidFill>
-              <a:schemeClr val="accent1">
-                <a:shade val="50000"/>
-                <a:alpha val="50000"/>
-              </a:schemeClr>
-            </a:solidFill>
-          </a:ln>
         </p:spPr>
         <p:style>
           <a:lnRef idx="2">
@@ -6655,47 +6425,24 @@
           </a:fontRef>
         </p:style>
         <p:txBody>
-          <a:bodyPr rtlCol="0" anchor="t"/>
-          <a:lstStyle/>
-          <a:p>
-            <a:r>
-              <a:rPr lang="en-US" altLang="ko-KR" b="1" dirty="0">
-                <a:solidFill>
-                  <a:schemeClr val="tx1"/>
-                </a:solidFill>
-              </a:rPr>
-              <a:t>[</a:t>
-            </a:r>
-            <a:r>
-              <a:rPr lang="ko-KR" altLang="en-US" b="1" dirty="0" err="1">
-                <a:solidFill>
-                  <a:schemeClr val="tx1"/>
-                </a:solidFill>
-              </a:rPr>
-              <a:t>예상안</a:t>
-            </a:r>
-            <a:r>
-              <a:rPr lang="en-US" altLang="ko-KR" b="1" dirty="0">
-                <a:solidFill>
-                  <a:schemeClr val="tx1"/>
-                </a:solidFill>
-              </a:rPr>
-              <a:t>]</a:t>
-            </a:r>
-            <a:endParaRPr lang="ko-KR" altLang="en-US" b="1" dirty="0">
-              <a:solidFill>
-                <a:schemeClr val="tx1"/>
-              </a:solidFill>
-            </a:endParaRPr>
-          </a:p>
-        </p:txBody>
-      </p:sp>
-      <p:sp>
-        <p:nvSpPr>
-          <p:cNvPr id="24" name="사각형: 둥근 모서리 23">
-            <a:extLst>
-              <a:ext uri="{FF2B5EF4-FFF2-40B4-BE49-F238E27FC236}">
-                <a16:creationId xmlns:a16="http://schemas.microsoft.com/office/drawing/2014/main" id="{C0B41533-1367-7356-8BD5-71DF489587E3}"/>
+          <a:bodyPr rtlCol="0" anchor="ctr"/>
+          <a:lstStyle/>
+          <a:p>
+            <a:pPr algn="ctr"/>
+            <a:r>
+              <a:rPr lang="en-US" altLang="ko-KR" dirty="0"/>
+              <a:t>Main </a:t>
+            </a:r>
+            <a:endParaRPr lang="ko-KR" altLang="en-US" dirty="0"/>
+          </a:p>
+        </p:txBody>
+      </p:sp>
+      <p:sp>
+        <p:nvSpPr>
+          <p:cNvPr id="8" name="직사각형 7">
+            <a:extLst>
+              <a:ext uri="{FF2B5EF4-FFF2-40B4-BE49-F238E27FC236}">
+                <a16:creationId xmlns:a16="http://schemas.microsoft.com/office/drawing/2014/main" id="{67AB5AD7-E7AA-EF3B-80BE-36A4EB168089}"/>
               </a:ext>
             </a:extLst>
           </p:cNvPr>
@@ -6704,26 +6451,12 @@
         </p:nvSpPr>
         <p:spPr>
           <a:xfrm>
-            <a:off x="472031" y="4147674"/>
-            <a:ext cx="3037787" cy="2460943"/>
+            <a:off x="1206631" y="3202757"/>
+            <a:ext cx="1329179" cy="452486"/>
           </a:xfrm>
-          <a:prstGeom prst="roundRect">
+          <a:prstGeom prst="rect">
             <a:avLst/>
           </a:prstGeom>
-          <a:solidFill>
-            <a:schemeClr val="accent2">
-              <a:lumMod val="40000"/>
-              <a:lumOff val="60000"/>
-              <a:alpha val="50000"/>
-            </a:schemeClr>
-          </a:solidFill>
-          <a:ln w="31750">
-            <a:solidFill>
-              <a:schemeClr val="tx1">
-                <a:alpha val="50000"/>
-              </a:schemeClr>
-            </a:solidFill>
-          </a:ln>
         </p:spPr>
         <p:style>
           <a:lnRef idx="2">
@@ -6742,330 +6475,72 @@
           </a:fontRef>
         </p:style>
         <p:txBody>
-          <a:bodyPr rtlCol="0" anchor="t"/>
-          <a:lstStyle/>
-          <a:p>
-            <a:r>
-              <a:rPr lang="en-US" altLang="ko-KR" b="1" dirty="0">
-                <a:solidFill>
-                  <a:srgbClr val="FF0000"/>
-                </a:solidFill>
-              </a:rPr>
-              <a:t>[Skip-</a:t>
-            </a:r>
-            <a:r>
-              <a:rPr lang="en-US" altLang="ko-KR" b="1" dirty="0" err="1">
-                <a:solidFill>
-                  <a:srgbClr val="FF0000"/>
-                </a:solidFill>
-              </a:rPr>
-              <a:t>Ngram</a:t>
-            </a:r>
-            <a:r>
-              <a:rPr lang="en-US" altLang="ko-KR" b="1" dirty="0">
-                <a:solidFill>
-                  <a:srgbClr val="FF0000"/>
-                </a:solidFill>
-              </a:rPr>
-              <a:t>]</a:t>
-            </a:r>
-            <a:endParaRPr lang="ko-KR" altLang="en-US" b="1" dirty="0">
-              <a:solidFill>
-                <a:srgbClr val="FF0000"/>
-              </a:solidFill>
-            </a:endParaRPr>
-          </a:p>
-        </p:txBody>
-      </p:sp>
-      <p:pic>
-        <p:nvPicPr>
-          <p:cNvPr id="23" name="그림 22">
-            <a:extLst>
-              <a:ext uri="{FF2B5EF4-FFF2-40B4-BE49-F238E27FC236}">
-                <a16:creationId xmlns:a16="http://schemas.microsoft.com/office/drawing/2014/main" id="{8518E1A2-F4E9-BD13-AD2D-4B38F68B4039}"/>
-              </a:ext>
-            </a:extLst>
-          </p:cNvPr>
-          <p:cNvPicPr>
-            <a:picLocks noChangeAspect="1"/>
-          </p:cNvPicPr>
+          <a:bodyPr rtlCol="0" anchor="ctr"/>
+          <a:lstStyle/>
+          <a:p>
+            <a:pPr algn="ctr"/>
+            <a:r>
+              <a:rPr lang="en-US" altLang="ko-KR" dirty="0"/>
+              <a:t>Input </a:t>
+            </a:r>
+            <a:endParaRPr lang="ko-KR" altLang="en-US" dirty="0"/>
+          </a:p>
+        </p:txBody>
+      </p:sp>
+      <p:sp>
+        <p:nvSpPr>
+          <p:cNvPr id="9" name="직사각형 8">
+            <a:extLst>
+              <a:ext uri="{FF2B5EF4-FFF2-40B4-BE49-F238E27FC236}">
+                <a16:creationId xmlns:a16="http://schemas.microsoft.com/office/drawing/2014/main" id="{BF32F3E1-9F60-23E4-0369-466AD0AD04E6}"/>
+              </a:ext>
+            </a:extLst>
+          </p:cNvPr>
+          <p:cNvSpPr/>
           <p:nvPr/>
-        </p:nvPicPr>
-        <p:blipFill>
-          <a:blip r:embed="rId3"/>
-          <a:stretch>
-            <a:fillRect/>
-          </a:stretch>
-        </p:blipFill>
+        </p:nvSpPr>
         <p:spPr>
           <a:xfrm>
-            <a:off x="723178" y="4675910"/>
-            <a:ext cx="2390572" cy="1822082"/>
+            <a:off x="1206630" y="3963974"/>
+            <a:ext cx="1329179" cy="452486"/>
           </a:xfrm>
           <a:prstGeom prst="rect">
             <a:avLst/>
           </a:prstGeom>
         </p:spPr>
-      </p:pic>
-      <p:pic>
-        <p:nvPicPr>
-          <p:cNvPr id="28" name="그림 27">
-            <a:extLst>
-              <a:ext uri="{FF2B5EF4-FFF2-40B4-BE49-F238E27FC236}">
-                <a16:creationId xmlns:a16="http://schemas.microsoft.com/office/drawing/2014/main" id="{508E2B6C-3B5B-6CF2-4C6A-4DB00BD759CA}"/>
-              </a:ext>
-            </a:extLst>
-          </p:cNvPr>
-          <p:cNvPicPr>
-            <a:picLocks noChangeAspect="1"/>
-          </p:cNvPicPr>
-          <p:nvPr/>
-        </p:nvPicPr>
-        <p:blipFill>
-          <a:blip r:embed="rId4"/>
-          <a:stretch>
-            <a:fillRect/>
-          </a:stretch>
-        </p:blipFill>
-        <p:spPr>
-          <a:xfrm>
-            <a:off x="723178" y="2001329"/>
-            <a:ext cx="2390572" cy="1759234"/>
-          </a:xfrm>
-          <a:prstGeom prst="rect">
-            <a:avLst/>
-          </a:prstGeom>
-        </p:spPr>
-      </p:pic>
-      <p:sp>
-        <p:nvSpPr>
-          <p:cNvPr id="30" name="TextBox 29">
-            <a:extLst>
-              <a:ext uri="{FF2B5EF4-FFF2-40B4-BE49-F238E27FC236}">
-                <a16:creationId xmlns:a16="http://schemas.microsoft.com/office/drawing/2014/main" id="{CA760A82-15B5-A1DE-463F-2333E8C7F91D}"/>
-              </a:ext>
-            </a:extLst>
-          </p:cNvPr>
-          <p:cNvSpPr txBox="1"/>
-          <p:nvPr/>
-        </p:nvSpPr>
-        <p:spPr>
-          <a:xfrm>
-            <a:off x="4461164" y="2263365"/>
-            <a:ext cx="6096000" cy="461665"/>
-          </a:xfrm>
-          <a:prstGeom prst="rect">
-            <a:avLst/>
-          </a:prstGeom>
-          <a:noFill/>
-        </p:spPr>
-        <p:txBody>
-          <a:bodyPr wrap="square">
-            <a:spAutoFit/>
-          </a:bodyPr>
-          <a:lstStyle/>
-          <a:p>
-            <a:r>
-              <a:rPr lang="en-US" altLang="ko-KR" sz="2400" b="1" dirty="0"/>
-              <a:t>“</a:t>
-            </a:r>
-            <a:r>
-              <a:rPr lang="ko-KR" altLang="en-US" sz="2400" b="1" dirty="0"/>
-              <a:t>암석</a:t>
-            </a:r>
-            <a:r>
-              <a:rPr lang="en-US" altLang="ko-KR" sz="2400" b="1" dirty="0"/>
-              <a:t>”</a:t>
-            </a:r>
-            <a:r>
-              <a:rPr lang="ko-KR" altLang="en-US" sz="2400" b="1" dirty="0"/>
-              <a:t>과 가까운 단어는</a:t>
-            </a:r>
-            <a:r>
-              <a:rPr lang="en-US" altLang="ko-KR" sz="2400" b="1" dirty="0"/>
-              <a:t>?</a:t>
-            </a:r>
-            <a:endParaRPr lang="ko-KR" altLang="en-US" sz="2400" b="1" dirty="0"/>
-          </a:p>
-        </p:txBody>
-      </p:sp>
-      <p:sp>
-        <p:nvSpPr>
-          <p:cNvPr id="31" name="TextBox 30">
-            <a:extLst>
-              <a:ext uri="{FF2B5EF4-FFF2-40B4-BE49-F238E27FC236}">
-                <a16:creationId xmlns:a16="http://schemas.microsoft.com/office/drawing/2014/main" id="{782AB23C-1CE9-475B-E6E1-D6B52EBC2E51}"/>
-              </a:ext>
-            </a:extLst>
-          </p:cNvPr>
-          <p:cNvSpPr txBox="1"/>
-          <p:nvPr/>
-        </p:nvSpPr>
-        <p:spPr>
-          <a:xfrm>
-            <a:off x="4886037" y="2947345"/>
-            <a:ext cx="6096000" cy="3362780"/>
-          </a:xfrm>
-          <a:prstGeom prst="rect">
-            <a:avLst/>
-          </a:prstGeom>
-          <a:noFill/>
-        </p:spPr>
-        <p:txBody>
-          <a:bodyPr wrap="square">
-            <a:spAutoFit/>
-          </a:bodyPr>
-          <a:lstStyle/>
-          <a:p>
-            <a:pPr>
-              <a:lnSpc>
-                <a:spcPct val="150000"/>
-              </a:lnSpc>
-            </a:pPr>
-            <a:r>
-              <a:rPr lang="en-US" altLang="ko-KR" dirty="0"/>
-              <a:t>“</a:t>
-            </a:r>
-            <a:r>
-              <a:rPr lang="ko-KR" altLang="en-US" dirty="0"/>
-              <a:t>내핵</a:t>
-            </a:r>
-            <a:r>
-              <a:rPr lang="en-US" altLang="ko-KR" dirty="0"/>
-              <a:t>“ : 0.9965965,</a:t>
-            </a:r>
-          </a:p>
-          <a:p>
-            <a:pPr>
-              <a:lnSpc>
-                <a:spcPct val="150000"/>
-              </a:lnSpc>
-            </a:pPr>
-            <a:r>
-              <a:rPr lang="en-US" altLang="ko-KR" dirty="0"/>
-              <a:t>“</a:t>
-            </a:r>
-            <a:r>
-              <a:rPr lang="ko-KR" altLang="en-US" dirty="0" err="1"/>
-              <a:t>외핵</a:t>
-            </a:r>
-            <a:r>
-              <a:rPr lang="en-US" altLang="ko-KR" dirty="0"/>
-              <a:t>”</a:t>
-            </a:r>
-            <a:r>
-              <a:rPr lang="ko-KR" altLang="en-US" dirty="0"/>
-              <a:t> </a:t>
-            </a:r>
-            <a:r>
-              <a:rPr lang="en-US" altLang="ko-KR" dirty="0"/>
-              <a:t>:</a:t>
-            </a:r>
-            <a:r>
-              <a:rPr lang="ko-KR" altLang="en-US" dirty="0"/>
-              <a:t> </a:t>
-            </a:r>
-            <a:r>
-              <a:rPr lang="en-US" altLang="ko-KR" dirty="0"/>
-              <a:t>0.9954654,</a:t>
-            </a:r>
-          </a:p>
-          <a:p>
-            <a:pPr>
-              <a:lnSpc>
-                <a:spcPct val="150000"/>
-              </a:lnSpc>
-            </a:pPr>
-            <a:r>
-              <a:rPr lang="en-US" altLang="ko-KR" dirty="0"/>
-              <a:t>“</a:t>
-            </a:r>
-            <a:r>
-              <a:rPr lang="ko-KR" altLang="en-US" dirty="0"/>
-              <a:t>물</a:t>
-            </a:r>
-            <a:r>
-              <a:rPr lang="en-US" altLang="ko-KR" dirty="0"/>
-              <a:t>” : 0.54965213,</a:t>
-            </a:r>
-          </a:p>
-          <a:p>
-            <a:pPr>
-              <a:lnSpc>
-                <a:spcPct val="150000"/>
-              </a:lnSpc>
-            </a:pPr>
-            <a:r>
-              <a:rPr lang="en-US" altLang="ko-KR" dirty="0"/>
-              <a:t>“</a:t>
-            </a:r>
-            <a:r>
-              <a:rPr lang="ko-KR" altLang="en-US" dirty="0"/>
-              <a:t>용암</a:t>
-            </a:r>
-            <a:r>
-              <a:rPr lang="en-US" altLang="ko-KR" dirty="0"/>
-              <a:t>” : 0.8768768,</a:t>
-            </a:r>
-          </a:p>
-          <a:p>
-            <a:pPr>
-              <a:lnSpc>
-                <a:spcPct val="150000"/>
-              </a:lnSpc>
-            </a:pPr>
-            <a:r>
-              <a:rPr lang="en-US" altLang="ko-KR" dirty="0"/>
-              <a:t>“</a:t>
-            </a:r>
-            <a:r>
-              <a:rPr lang="ko-KR" altLang="en-US" dirty="0"/>
-              <a:t>용융</a:t>
-            </a:r>
-            <a:r>
-              <a:rPr lang="en-US" altLang="ko-KR" dirty="0"/>
-              <a:t>“ : 0.76554733</a:t>
-            </a:r>
-          </a:p>
-          <a:p>
-            <a:pPr>
-              <a:lnSpc>
-                <a:spcPct val="150000"/>
-              </a:lnSpc>
-            </a:pPr>
-            <a:r>
-              <a:rPr lang="en-US" altLang="ko-KR" dirty="0"/>
-              <a:t>.</a:t>
-            </a:r>
-          </a:p>
-          <a:p>
-            <a:pPr>
-              <a:lnSpc>
-                <a:spcPct val="150000"/>
-              </a:lnSpc>
-            </a:pPr>
-            <a:r>
-              <a:rPr lang="en-US" altLang="ko-KR" dirty="0"/>
-              <a:t>.</a:t>
-            </a:r>
-          </a:p>
-          <a:p>
-            <a:pPr>
-              <a:lnSpc>
-                <a:spcPct val="150000"/>
-              </a:lnSpc>
-            </a:pPr>
-            <a:r>
-              <a:rPr lang="en-US" altLang="ko-KR" dirty="0"/>
-              <a:t>.</a:t>
-            </a:r>
+        <p:style>
+          <a:lnRef idx="2">
+            <a:schemeClr val="accent1">
+              <a:shade val="50000"/>
+            </a:schemeClr>
+          </a:lnRef>
+          <a:fillRef idx="1">
+            <a:schemeClr val="accent1"/>
+          </a:fillRef>
+          <a:effectRef idx="0">
+            <a:schemeClr val="accent1"/>
+          </a:effectRef>
+          <a:fontRef idx="minor">
+            <a:schemeClr val="lt1"/>
+          </a:fontRef>
+        </p:style>
+        <p:txBody>
+          <a:bodyPr rtlCol="0" anchor="ctr"/>
+          <a:lstStyle/>
+          <a:p>
+            <a:pPr algn="ctr"/>
+            <a:r>
+              <a:rPr lang="en-US" altLang="ko-KR" dirty="0"/>
+              <a:t>Output</a:t>
+            </a:r>
+            <a:endParaRPr lang="ko-KR" altLang="en-US" dirty="0"/>
           </a:p>
         </p:txBody>
       </p:sp>
     </p:spTree>
     <p:extLst>
       <p:ext uri="{BB962C8B-B14F-4D97-AF65-F5344CB8AC3E}">
-        <p14:creationId xmlns:p14="http://schemas.microsoft.com/office/powerpoint/2010/main" val="1286898588"/>
+        <p14:creationId xmlns:p14="http://schemas.microsoft.com/office/powerpoint/2010/main" val="4085885412"/>
       </p:ext>
     </p:extLst>
   </p:cSld>

--- a/material/설계도 - 모식도.pptx
+++ b/material/설계도 - 모식도.pptx
@@ -5,13 +5,14 @@
     <p:sldMasterId id="2147483648" r:id="rId1"/>
   </p:sldMasterIdLst>
   <p:notesMasterIdLst>
-    <p:notesMasterId r:id="rId6"/>
+    <p:notesMasterId r:id="rId7"/>
   </p:notesMasterIdLst>
   <p:sldIdLst>
     <p:sldId id="256" r:id="rId2"/>
     <p:sldId id="259" r:id="rId3"/>
     <p:sldId id="257" r:id="rId4"/>
-    <p:sldId id="260" r:id="rId5"/>
+    <p:sldId id="261" r:id="rId5"/>
+    <p:sldId id="260" r:id="rId6"/>
   </p:sldIdLst>
   <p:sldSz cx="12192000" cy="6858000"/>
   <p:notesSz cx="6858000" cy="9144000"/>
@@ -741,6 +742,182 @@
     <p:extLst>
       <p:ext uri="{BB962C8B-B14F-4D97-AF65-F5344CB8AC3E}">
         <p14:creationId xmlns:p14="http://schemas.microsoft.com/office/powerpoint/2010/main" val="389176870"/>
+      </p:ext>
+    </p:extLst>
+  </p:cSld>
+  <p:clrMapOvr>
+    <a:masterClrMapping/>
+  </p:clrMapOvr>
+</p:notes>
+</file>
+
+<file path=ppt/notesSlides/notesSlide4.xml><?xml version="1.0" encoding="utf-8"?>
+<p:notes xmlns:a="http://schemas.openxmlformats.org/drawingml/2006/main" xmlns:r="http://schemas.openxmlformats.org/officeDocument/2006/relationships" xmlns:p="http://schemas.openxmlformats.org/presentationml/2006/main">
+  <p:cSld>
+    <p:spTree>
+      <p:nvGrpSpPr>
+        <p:cNvPr id="1" name=""/>
+        <p:cNvGrpSpPr/>
+        <p:nvPr/>
+      </p:nvGrpSpPr>
+      <p:grpSpPr>
+        <a:xfrm>
+          <a:off x="0" y="0"/>
+          <a:ext cx="0" cy="0"/>
+          <a:chOff x="0" y="0"/>
+          <a:chExt cx="0" cy="0"/>
+        </a:xfrm>
+      </p:grpSpPr>
+      <p:sp>
+        <p:nvSpPr>
+          <p:cNvPr id="2" name="슬라이드 이미지 개체 틀 1"/>
+          <p:cNvSpPr>
+            <a:spLocks noGrp="1" noRot="1" noChangeAspect="1"/>
+          </p:cNvSpPr>
+          <p:nvPr>
+            <p:ph type="sldImg"/>
+          </p:nvPr>
+        </p:nvSpPr>
+        <p:spPr/>
+      </p:sp>
+      <p:sp>
+        <p:nvSpPr>
+          <p:cNvPr id="3" name="슬라이드 노트 개체 틀 2"/>
+          <p:cNvSpPr>
+            <a:spLocks noGrp="1"/>
+          </p:cNvSpPr>
+          <p:nvPr>
+            <p:ph type="body" idx="1"/>
+          </p:nvPr>
+        </p:nvSpPr>
+        <p:spPr/>
+        <p:txBody>
+          <a:bodyPr/>
+          <a:lstStyle/>
+          <a:p>
+            <a:r>
+              <a:rPr lang="en-US" altLang="ko-KR" dirty="0"/>
+              <a:t>no</a:t>
+            </a:r>
+            <a:endParaRPr lang="ko-KR" altLang="en-US" dirty="0"/>
+          </a:p>
+        </p:txBody>
+      </p:sp>
+      <p:sp>
+        <p:nvSpPr>
+          <p:cNvPr id="4" name="슬라이드 번호 개체 틀 3"/>
+          <p:cNvSpPr>
+            <a:spLocks noGrp="1"/>
+          </p:cNvSpPr>
+          <p:nvPr>
+            <p:ph type="sldNum" sz="quarter" idx="5"/>
+          </p:nvPr>
+        </p:nvSpPr>
+        <p:spPr/>
+        <p:txBody>
+          <a:bodyPr/>
+          <a:lstStyle/>
+          <a:p>
+            <a:fld id="{0A609B83-C460-4559-8207-380281D23192}" type="slidenum">
+              <a:rPr lang="ko-KR" altLang="en-US" smtClean="0"/>
+              <a:t>4</a:t>
+            </a:fld>
+            <a:endParaRPr lang="ko-KR" altLang="en-US"/>
+          </a:p>
+        </p:txBody>
+      </p:sp>
+    </p:spTree>
+    <p:extLst>
+      <p:ext uri="{BB962C8B-B14F-4D97-AF65-F5344CB8AC3E}">
+        <p14:creationId xmlns:p14="http://schemas.microsoft.com/office/powerpoint/2010/main" val="955838742"/>
+      </p:ext>
+    </p:extLst>
+  </p:cSld>
+  <p:clrMapOvr>
+    <a:masterClrMapping/>
+  </p:clrMapOvr>
+</p:notes>
+</file>
+
+<file path=ppt/notesSlides/notesSlide5.xml><?xml version="1.0" encoding="utf-8"?>
+<p:notes xmlns:a="http://schemas.openxmlformats.org/drawingml/2006/main" xmlns:r="http://schemas.openxmlformats.org/officeDocument/2006/relationships" xmlns:p="http://schemas.openxmlformats.org/presentationml/2006/main">
+  <p:cSld>
+    <p:spTree>
+      <p:nvGrpSpPr>
+        <p:cNvPr id="1" name=""/>
+        <p:cNvGrpSpPr/>
+        <p:nvPr/>
+      </p:nvGrpSpPr>
+      <p:grpSpPr>
+        <a:xfrm>
+          <a:off x="0" y="0"/>
+          <a:ext cx="0" cy="0"/>
+          <a:chOff x="0" y="0"/>
+          <a:chExt cx="0" cy="0"/>
+        </a:xfrm>
+      </p:grpSpPr>
+      <p:sp>
+        <p:nvSpPr>
+          <p:cNvPr id="2" name="슬라이드 이미지 개체 틀 1"/>
+          <p:cNvSpPr>
+            <a:spLocks noGrp="1" noRot="1" noChangeAspect="1"/>
+          </p:cNvSpPr>
+          <p:nvPr>
+            <p:ph type="sldImg"/>
+          </p:nvPr>
+        </p:nvSpPr>
+        <p:spPr/>
+      </p:sp>
+      <p:sp>
+        <p:nvSpPr>
+          <p:cNvPr id="3" name="슬라이드 노트 개체 틀 2"/>
+          <p:cNvSpPr>
+            <a:spLocks noGrp="1"/>
+          </p:cNvSpPr>
+          <p:nvPr>
+            <p:ph type="body" idx="1"/>
+          </p:nvPr>
+        </p:nvSpPr>
+        <p:spPr/>
+        <p:txBody>
+          <a:bodyPr/>
+          <a:lstStyle/>
+          <a:p>
+            <a:r>
+              <a:rPr lang="en-US" altLang="ko-KR" dirty="0"/>
+              <a:t>Main </a:t>
+            </a:r>
+            <a:endParaRPr lang="ko-KR" altLang="en-US" dirty="0"/>
+          </a:p>
+        </p:txBody>
+      </p:sp>
+      <p:sp>
+        <p:nvSpPr>
+          <p:cNvPr id="4" name="슬라이드 번호 개체 틀 3"/>
+          <p:cNvSpPr>
+            <a:spLocks noGrp="1"/>
+          </p:cNvSpPr>
+          <p:nvPr>
+            <p:ph type="sldNum" sz="quarter" idx="5"/>
+          </p:nvPr>
+        </p:nvSpPr>
+        <p:spPr/>
+        <p:txBody>
+          <a:bodyPr/>
+          <a:lstStyle/>
+          <a:p>
+            <a:fld id="{0A609B83-C460-4559-8207-380281D23192}" type="slidenum">
+              <a:rPr lang="ko-KR" altLang="en-US" smtClean="0"/>
+              <a:t>5</a:t>
+            </a:fld>
+            <a:endParaRPr lang="ko-KR" altLang="en-US"/>
+          </a:p>
+        </p:txBody>
+      </p:sp>
+    </p:spTree>
+    <p:extLst>
+      <p:ext uri="{BB962C8B-B14F-4D97-AF65-F5344CB8AC3E}">
+        <p14:creationId xmlns:p14="http://schemas.microsoft.com/office/powerpoint/2010/main" val="261201110"/>
       </p:ext>
     </p:extLst>
   </p:cSld>
@@ -6292,7 +6469,7 @@
           <p:cNvPr id="4" name="사각형: 둥근 모서리 3">
             <a:extLst>
               <a:ext uri="{FF2B5EF4-FFF2-40B4-BE49-F238E27FC236}">
-                <a16:creationId xmlns:a16="http://schemas.microsoft.com/office/drawing/2014/main" id="{CDC0CAD5-2C12-C593-7A59-5B5BCAE7413B}"/>
+                <a16:creationId xmlns:a16="http://schemas.microsoft.com/office/drawing/2014/main" id="{48DB7666-1773-D11D-767E-3B4C3349A8B8}"/>
               </a:ext>
             </a:extLst>
           </p:cNvPr>
@@ -6301,12 +6478,21 @@
         </p:nvSpPr>
         <p:spPr>
           <a:xfrm>
-            <a:off x="3440784" y="292231"/>
-            <a:ext cx="4873657" cy="810705"/>
+            <a:off x="1062181" y="554181"/>
+            <a:ext cx="4147128" cy="5911273"/>
           </a:xfrm>
           <a:prstGeom prst="roundRect">
             <a:avLst/>
           </a:prstGeom>
+          <a:noFill/>
+          <a:ln w="38100">
+            <a:solidFill>
+              <a:schemeClr val="accent1">
+                <a:shade val="50000"/>
+                <a:alpha val="75000"/>
+              </a:schemeClr>
+            </a:solidFill>
+          </a:ln>
         </p:spPr>
         <p:style>
           <a:lnRef idx="2">
@@ -6325,24 +6511,31 @@
           </a:fontRef>
         </p:style>
         <p:txBody>
-          <a:bodyPr rtlCol="0" anchor="ctr"/>
-          <a:lstStyle/>
-          <a:p>
-            <a:pPr algn="ctr"/>
-            <a:r>
-              <a:rPr lang="en-US" altLang="ko-KR" dirty="0"/>
-              <a:t>System</a:t>
-            </a:r>
-            <a:endParaRPr lang="ko-KR" altLang="en-US" dirty="0"/>
-          </a:p>
-        </p:txBody>
-      </p:sp>
-      <p:sp>
-        <p:nvSpPr>
-          <p:cNvPr id="6" name="직사각형 5">
-            <a:extLst>
-              <a:ext uri="{FF2B5EF4-FFF2-40B4-BE49-F238E27FC236}">
-                <a16:creationId xmlns:a16="http://schemas.microsoft.com/office/drawing/2014/main" id="{5ADA88AA-25A2-7991-F3C9-3FEECEC34A1C}"/>
+          <a:bodyPr rtlCol="0" anchor="t"/>
+          <a:lstStyle/>
+          <a:p>
+            <a:r>
+              <a:rPr lang="en-US" altLang="ko-KR" b="1" dirty="0">
+                <a:solidFill>
+                  <a:schemeClr val="tx1"/>
+                </a:solidFill>
+              </a:rPr>
+              <a:t>[Front – Svelte]</a:t>
+            </a:r>
+            <a:endParaRPr lang="ko-KR" altLang="en-US" b="1" dirty="0">
+              <a:solidFill>
+                <a:schemeClr val="tx1"/>
+              </a:solidFill>
+            </a:endParaRPr>
+          </a:p>
+        </p:txBody>
+      </p:sp>
+      <p:sp>
+        <p:nvSpPr>
+          <p:cNvPr id="5" name="다이아몬드 4">
+            <a:extLst>
+              <a:ext uri="{FF2B5EF4-FFF2-40B4-BE49-F238E27FC236}">
+                <a16:creationId xmlns:a16="http://schemas.microsoft.com/office/drawing/2014/main" id="{0E495C3E-3ADB-AC67-7015-9AFBBB2942D6}"/>
               </a:ext>
             </a:extLst>
           </p:cNvPr>
@@ -6351,10 +6544,10 @@
         </p:nvSpPr>
         <p:spPr>
           <a:xfrm>
-            <a:off x="1131219" y="1442300"/>
-            <a:ext cx="2488676" cy="584462"/>
-          </a:xfrm>
-          <a:prstGeom prst="rect">
+            <a:off x="3326663" y="2299854"/>
+            <a:ext cx="1348509" cy="1348509"/>
+          </a:xfrm>
+          <a:prstGeom prst="diamond">
             <a:avLst/>
           </a:prstGeom>
         </p:spPr>
@@ -6381,7 +6574,7 @@
             <a:pPr algn="ctr"/>
             <a:r>
               <a:rPr lang="en-US" altLang="ko-KR" dirty="0"/>
-              <a:t>Front (svelte)</a:t>
+              <a:t>Exist?</a:t>
             </a:r>
             <a:endParaRPr lang="ko-KR" altLang="en-US" dirty="0"/>
           </a:p>
@@ -6389,10 +6582,10 @@
       </p:sp>
       <p:sp>
         <p:nvSpPr>
-          <p:cNvPr id="7" name="직사각형 6">
-            <a:extLst>
-              <a:ext uri="{FF2B5EF4-FFF2-40B4-BE49-F238E27FC236}">
-                <a16:creationId xmlns:a16="http://schemas.microsoft.com/office/drawing/2014/main" id="{4BAE5E6C-58F0-32A5-0DFE-0E6E0EF514B5}"/>
+          <p:cNvPr id="6" name="사각형: 둥근 모서리 5">
+            <a:extLst>
+              <a:ext uri="{FF2B5EF4-FFF2-40B4-BE49-F238E27FC236}">
+                <a16:creationId xmlns:a16="http://schemas.microsoft.com/office/drawing/2014/main" id="{90BD0A8F-79D1-C212-960D-A4744AB7456C}"/>
               </a:ext>
             </a:extLst>
           </p:cNvPr>
@@ -6401,12 +6594,18 @@
         </p:nvSpPr>
         <p:spPr>
           <a:xfrm>
-            <a:off x="1206631" y="2441540"/>
-            <a:ext cx="1329179" cy="452486"/>
-          </a:xfrm>
-          <a:prstGeom prst="rect">
+            <a:off x="1293091" y="1219199"/>
+            <a:ext cx="1551709" cy="4886037"/>
+          </a:xfrm>
+          <a:prstGeom prst="roundRect">
             <a:avLst/>
           </a:prstGeom>
+          <a:solidFill>
+            <a:schemeClr val="accent1">
+              <a:alpha val="50000"/>
+            </a:schemeClr>
+          </a:solidFill>
+          <a:ln w="38100"/>
         </p:spPr>
         <p:style>
           <a:lnRef idx="2">
@@ -6425,24 +6624,67 @@
           </a:fontRef>
         </p:style>
         <p:txBody>
-          <a:bodyPr rtlCol="0" anchor="ctr"/>
-          <a:lstStyle/>
-          <a:p>
-            <a:pPr algn="ctr"/>
-            <a:r>
-              <a:rPr lang="en-US" altLang="ko-KR" dirty="0"/>
-              <a:t>Main </a:t>
-            </a:r>
-            <a:endParaRPr lang="ko-KR" altLang="en-US" dirty="0"/>
-          </a:p>
-        </p:txBody>
-      </p:sp>
-      <p:sp>
-        <p:nvSpPr>
-          <p:cNvPr id="8" name="직사각형 7">
-            <a:extLst>
-              <a:ext uri="{FF2B5EF4-FFF2-40B4-BE49-F238E27FC236}">
-                <a16:creationId xmlns:a16="http://schemas.microsoft.com/office/drawing/2014/main" id="{67AB5AD7-E7AA-EF3B-80BE-36A4EB168089}"/>
+          <a:bodyPr rtlCol="0" anchor="t"/>
+          <a:lstStyle/>
+          <a:p>
+            <a:r>
+              <a:rPr lang="en-US" altLang="ko-KR" spc="-150" dirty="0"/>
+              <a:t>Upload page</a:t>
+            </a:r>
+            <a:endParaRPr lang="ko-KR" altLang="en-US" spc="-150" dirty="0"/>
+          </a:p>
+        </p:txBody>
+      </p:sp>
+      <p:cxnSp>
+        <p:nvCxnSpPr>
+          <p:cNvPr id="12" name="직선 화살표 연결선 11">
+            <a:extLst>
+              <a:ext uri="{FF2B5EF4-FFF2-40B4-BE49-F238E27FC236}">
+                <a16:creationId xmlns:a16="http://schemas.microsoft.com/office/drawing/2014/main" id="{41E9FF5E-7B09-C0F3-F98E-00434D67D9C5}"/>
+              </a:ext>
+            </a:extLst>
+          </p:cNvPr>
+          <p:cNvCxnSpPr/>
+          <p:nvPr/>
+        </p:nvCxnSpPr>
+        <p:spPr>
+          <a:xfrm>
+            <a:off x="-110837" y="1911927"/>
+            <a:ext cx="1399309" cy="0"/>
+          </a:xfrm>
+          <a:prstGeom prst="straightConnector1">
+            <a:avLst/>
+          </a:prstGeom>
+          <a:ln w="50800">
+            <a:solidFill>
+              <a:schemeClr val="tx1">
+                <a:alpha val="75000"/>
+              </a:schemeClr>
+            </a:solidFill>
+            <a:tailEnd type="triangle"/>
+          </a:ln>
+        </p:spPr>
+        <p:style>
+          <a:lnRef idx="1">
+            <a:schemeClr val="accent1"/>
+          </a:lnRef>
+          <a:fillRef idx="0">
+            <a:schemeClr val="accent1"/>
+          </a:fillRef>
+          <a:effectRef idx="0">
+            <a:schemeClr val="accent1"/>
+          </a:effectRef>
+          <a:fontRef idx="minor">
+            <a:schemeClr val="tx1"/>
+          </a:fontRef>
+        </p:style>
+      </p:cxnSp>
+      <p:sp>
+        <p:nvSpPr>
+          <p:cNvPr id="13" name="사각형: 둥근 모서리 12">
+            <a:extLst>
+              <a:ext uri="{FF2B5EF4-FFF2-40B4-BE49-F238E27FC236}">
+                <a16:creationId xmlns:a16="http://schemas.microsoft.com/office/drawing/2014/main" id="{37655D5C-D824-7A8D-CE14-38CB0E495A6C}"/>
               </a:ext>
             </a:extLst>
           </p:cNvPr>
@@ -6451,12 +6693,21 @@
         </p:nvSpPr>
         <p:spPr>
           <a:xfrm>
-            <a:off x="1206631" y="3202757"/>
-            <a:ext cx="1329179" cy="452486"/>
-          </a:xfrm>
-          <a:prstGeom prst="rect">
+            <a:off x="5366327" y="1007074"/>
+            <a:ext cx="2669309" cy="1588344"/>
+          </a:xfrm>
+          <a:prstGeom prst="roundRect">
             <a:avLst/>
           </a:prstGeom>
+          <a:noFill/>
+          <a:ln w="38100">
+            <a:solidFill>
+              <a:schemeClr val="accent6">
+                <a:lumMod val="75000"/>
+                <a:alpha val="75000"/>
+              </a:schemeClr>
+            </a:solidFill>
+          </a:ln>
         </p:spPr>
         <p:style>
           <a:lnRef idx="2">
@@ -6475,24 +6726,77 @@
           </a:fontRef>
         </p:style>
         <p:txBody>
-          <a:bodyPr rtlCol="0" anchor="ctr"/>
-          <a:lstStyle/>
-          <a:p>
-            <a:pPr algn="ctr"/>
-            <a:r>
-              <a:rPr lang="en-US" altLang="ko-KR" dirty="0"/>
-              <a:t>Input </a:t>
-            </a:r>
-            <a:endParaRPr lang="ko-KR" altLang="en-US" dirty="0"/>
-          </a:p>
-        </p:txBody>
-      </p:sp>
-      <p:sp>
-        <p:nvSpPr>
-          <p:cNvPr id="9" name="직사각형 8">
-            <a:extLst>
-              <a:ext uri="{FF2B5EF4-FFF2-40B4-BE49-F238E27FC236}">
-                <a16:creationId xmlns:a16="http://schemas.microsoft.com/office/drawing/2014/main" id="{BF32F3E1-9F60-23E4-0369-466AD0AD04E6}"/>
+          <a:bodyPr rtlCol="0" anchor="t"/>
+          <a:lstStyle/>
+          <a:p>
+            <a:r>
+              <a:rPr lang="en-US" altLang="ko-KR" b="1" dirty="0">
+                <a:solidFill>
+                  <a:schemeClr val="tx1"/>
+                </a:solidFill>
+              </a:rPr>
+              <a:t>ML/DL (OCR)</a:t>
+            </a:r>
+            <a:endParaRPr lang="ko-KR" altLang="en-US" b="1" dirty="0">
+              <a:solidFill>
+                <a:schemeClr val="tx1"/>
+              </a:solidFill>
+            </a:endParaRPr>
+          </a:p>
+        </p:txBody>
+      </p:sp>
+      <p:cxnSp>
+        <p:nvCxnSpPr>
+          <p:cNvPr id="16" name="직선 화살표 연결선 15">
+            <a:extLst>
+              <a:ext uri="{FF2B5EF4-FFF2-40B4-BE49-F238E27FC236}">
+                <a16:creationId xmlns:a16="http://schemas.microsoft.com/office/drawing/2014/main" id="{D999ABF8-7FF4-DEC3-D490-0969074F7F03}"/>
+              </a:ext>
+            </a:extLst>
+          </p:cNvPr>
+          <p:cNvCxnSpPr>
+            <a:cxnSpLocks/>
+          </p:cNvCxnSpPr>
+          <p:nvPr/>
+        </p:nvCxnSpPr>
+        <p:spPr>
+          <a:xfrm>
+            <a:off x="2844800" y="1893454"/>
+            <a:ext cx="3075709" cy="0"/>
+          </a:xfrm>
+          <a:prstGeom prst="straightConnector1">
+            <a:avLst/>
+          </a:prstGeom>
+          <a:ln w="50800">
+            <a:solidFill>
+              <a:schemeClr val="tx1">
+                <a:alpha val="75000"/>
+              </a:schemeClr>
+            </a:solidFill>
+            <a:tailEnd type="triangle"/>
+          </a:ln>
+        </p:spPr>
+        <p:style>
+          <a:lnRef idx="1">
+            <a:schemeClr val="accent1"/>
+          </a:lnRef>
+          <a:fillRef idx="0">
+            <a:schemeClr val="accent1"/>
+          </a:fillRef>
+          <a:effectRef idx="0">
+            <a:schemeClr val="accent1"/>
+          </a:effectRef>
+          <a:fontRef idx="minor">
+            <a:schemeClr val="tx1"/>
+          </a:fontRef>
+        </p:style>
+      </p:cxnSp>
+      <p:sp>
+        <p:nvSpPr>
+          <p:cNvPr id="18" name="직사각형 17">
+            <a:extLst>
+              <a:ext uri="{FF2B5EF4-FFF2-40B4-BE49-F238E27FC236}">
+                <a16:creationId xmlns:a16="http://schemas.microsoft.com/office/drawing/2014/main" id="{1F11DB2D-17E1-8AA6-965C-048AA2042355}"/>
               </a:ext>
             </a:extLst>
           </p:cNvPr>
@@ -6501,12 +6805,25 @@
         </p:nvSpPr>
         <p:spPr>
           <a:xfrm>
-            <a:off x="1206630" y="3963974"/>
-            <a:ext cx="1329179" cy="452486"/>
+            <a:off x="5920509" y="1487054"/>
+            <a:ext cx="1884218" cy="812800"/>
           </a:xfrm>
           <a:prstGeom prst="rect">
             <a:avLst/>
           </a:prstGeom>
+          <a:solidFill>
+            <a:schemeClr val="accent6">
+              <a:lumMod val="60000"/>
+              <a:lumOff val="40000"/>
+            </a:schemeClr>
+          </a:solidFill>
+          <a:ln w="38100">
+            <a:solidFill>
+              <a:schemeClr val="accent6">
+                <a:lumMod val="75000"/>
+              </a:schemeClr>
+            </a:solidFill>
+          </a:ln>
         </p:spPr>
         <p:style>
           <a:lnRef idx="2">
@@ -6531,9 +6848,2564 @@
             <a:pPr algn="ctr"/>
             <a:r>
               <a:rPr lang="en-US" altLang="ko-KR" dirty="0"/>
-              <a:t>Output</a:t>
+              <a:t>Tesseract OCR</a:t>
             </a:r>
             <a:endParaRPr lang="ko-KR" altLang="en-US" dirty="0"/>
+          </a:p>
+        </p:txBody>
+      </p:sp>
+      <p:sp>
+        <p:nvSpPr>
+          <p:cNvPr id="27" name="사각형: 둥근 모서리 26">
+            <a:extLst>
+              <a:ext uri="{FF2B5EF4-FFF2-40B4-BE49-F238E27FC236}">
+                <a16:creationId xmlns:a16="http://schemas.microsoft.com/office/drawing/2014/main" id="{2A4207DA-C614-3483-1647-89E1FE3107FE}"/>
+              </a:ext>
+            </a:extLst>
+          </p:cNvPr>
+          <p:cNvSpPr/>
+          <p:nvPr/>
+        </p:nvSpPr>
+        <p:spPr>
+          <a:xfrm>
+            <a:off x="8192654" y="554180"/>
+            <a:ext cx="3537528" cy="5911271"/>
+          </a:xfrm>
+          <a:prstGeom prst="roundRect">
+            <a:avLst>
+              <a:gd name="adj" fmla="val 6990"/>
+            </a:avLst>
+          </a:prstGeom>
+          <a:noFill/>
+          <a:ln w="38100">
+            <a:solidFill>
+              <a:srgbClr val="7030A0">
+                <a:alpha val="75000"/>
+              </a:srgbClr>
+            </a:solidFill>
+          </a:ln>
+        </p:spPr>
+        <p:style>
+          <a:lnRef idx="2">
+            <a:schemeClr val="accent1">
+              <a:shade val="50000"/>
+            </a:schemeClr>
+          </a:lnRef>
+          <a:fillRef idx="1">
+            <a:schemeClr val="accent1"/>
+          </a:fillRef>
+          <a:effectRef idx="0">
+            <a:schemeClr val="accent1"/>
+          </a:effectRef>
+          <a:fontRef idx="minor">
+            <a:schemeClr val="lt1"/>
+          </a:fontRef>
+        </p:style>
+        <p:txBody>
+          <a:bodyPr rtlCol="0" anchor="t"/>
+          <a:lstStyle/>
+          <a:p>
+            <a:r>
+              <a:rPr lang="en-US" altLang="ko-KR" b="1" dirty="0">
+                <a:solidFill>
+                  <a:schemeClr val="tx1"/>
+                </a:solidFill>
+              </a:rPr>
+              <a:t>ML/DL (CNN Model)</a:t>
+            </a:r>
+            <a:endParaRPr lang="ko-KR" altLang="en-US" b="1" dirty="0">
+              <a:solidFill>
+                <a:schemeClr val="tx1"/>
+              </a:solidFill>
+            </a:endParaRPr>
+          </a:p>
+        </p:txBody>
+      </p:sp>
+      <p:sp>
+        <p:nvSpPr>
+          <p:cNvPr id="29" name="사각형: 둥근 모서리 28">
+            <a:extLst>
+              <a:ext uri="{FF2B5EF4-FFF2-40B4-BE49-F238E27FC236}">
+                <a16:creationId xmlns:a16="http://schemas.microsoft.com/office/drawing/2014/main" id="{A8EEB47F-9F59-50ED-BBE0-0F7D439144C6}"/>
+              </a:ext>
+            </a:extLst>
+          </p:cNvPr>
+          <p:cNvSpPr/>
+          <p:nvPr/>
+        </p:nvSpPr>
+        <p:spPr>
+          <a:xfrm>
+            <a:off x="5366326" y="3084843"/>
+            <a:ext cx="2669309" cy="2101272"/>
+          </a:xfrm>
+          <a:prstGeom prst="roundRect">
+            <a:avLst/>
+          </a:prstGeom>
+          <a:noFill/>
+          <a:ln w="38100">
+            <a:solidFill>
+              <a:schemeClr val="tx1">
+                <a:lumMod val="50000"/>
+                <a:lumOff val="50000"/>
+                <a:alpha val="75000"/>
+              </a:schemeClr>
+            </a:solidFill>
+          </a:ln>
+        </p:spPr>
+        <p:style>
+          <a:lnRef idx="2">
+            <a:schemeClr val="accent1">
+              <a:shade val="50000"/>
+            </a:schemeClr>
+          </a:lnRef>
+          <a:fillRef idx="1">
+            <a:schemeClr val="accent1"/>
+          </a:fillRef>
+          <a:effectRef idx="0">
+            <a:schemeClr val="accent1"/>
+          </a:effectRef>
+          <a:fontRef idx="minor">
+            <a:schemeClr val="lt1"/>
+          </a:fontRef>
+        </p:style>
+        <p:txBody>
+          <a:bodyPr rtlCol="0" anchor="t"/>
+          <a:lstStyle/>
+          <a:p>
+            <a:r>
+              <a:rPr lang="en-US" altLang="ko-KR" b="1" dirty="0">
+                <a:solidFill>
+                  <a:schemeClr val="tx1"/>
+                </a:solidFill>
+              </a:rPr>
+              <a:t>Conversion API</a:t>
+            </a:r>
+            <a:endParaRPr lang="ko-KR" altLang="en-US" b="1" dirty="0">
+              <a:solidFill>
+                <a:schemeClr val="tx1"/>
+              </a:solidFill>
+            </a:endParaRPr>
+          </a:p>
+        </p:txBody>
+      </p:sp>
+      <p:sp>
+        <p:nvSpPr>
+          <p:cNvPr id="30" name="사각형: 둥근 모서리 29">
+            <a:extLst>
+              <a:ext uri="{FF2B5EF4-FFF2-40B4-BE49-F238E27FC236}">
+                <a16:creationId xmlns:a16="http://schemas.microsoft.com/office/drawing/2014/main" id="{8EB81EE7-D93B-16E6-1EDB-1C64AB3D8B6D}"/>
+              </a:ext>
+            </a:extLst>
+          </p:cNvPr>
+          <p:cNvSpPr/>
+          <p:nvPr/>
+        </p:nvSpPr>
+        <p:spPr>
+          <a:xfrm>
+            <a:off x="5698836" y="3759097"/>
+            <a:ext cx="1958109" cy="572655"/>
+          </a:xfrm>
+          <a:prstGeom prst="roundRect">
+            <a:avLst/>
+          </a:prstGeom>
+          <a:solidFill>
+            <a:schemeClr val="tx2"/>
+          </a:solidFill>
+          <a:ln>
+            <a:solidFill>
+              <a:schemeClr val="tx1"/>
+            </a:solidFill>
+          </a:ln>
+        </p:spPr>
+        <p:style>
+          <a:lnRef idx="2">
+            <a:schemeClr val="accent1">
+              <a:shade val="50000"/>
+            </a:schemeClr>
+          </a:lnRef>
+          <a:fillRef idx="1">
+            <a:schemeClr val="accent1"/>
+          </a:fillRef>
+          <a:effectRef idx="0">
+            <a:schemeClr val="accent1"/>
+          </a:effectRef>
+          <a:fontRef idx="minor">
+            <a:schemeClr val="lt1"/>
+          </a:fontRef>
+        </p:style>
+        <p:txBody>
+          <a:bodyPr rtlCol="0" anchor="ctr"/>
+          <a:lstStyle/>
+          <a:p>
+            <a:pPr algn="ctr"/>
+            <a:r>
+              <a:rPr lang="en-US" altLang="ko-KR" dirty="0" err="1"/>
+              <a:t>Hwp</a:t>
+            </a:r>
+            <a:r>
+              <a:rPr lang="en-US" altLang="ko-KR" dirty="0"/>
+              <a:t> to PDF</a:t>
+            </a:r>
+            <a:endParaRPr lang="ko-KR" altLang="en-US" dirty="0"/>
+          </a:p>
+        </p:txBody>
+      </p:sp>
+      <p:sp>
+        <p:nvSpPr>
+          <p:cNvPr id="31" name="사각형: 둥근 모서리 30">
+            <a:extLst>
+              <a:ext uri="{FF2B5EF4-FFF2-40B4-BE49-F238E27FC236}">
+                <a16:creationId xmlns:a16="http://schemas.microsoft.com/office/drawing/2014/main" id="{E85AED96-4B90-4F75-1ECD-21DCCC33B5F2}"/>
+              </a:ext>
+            </a:extLst>
+          </p:cNvPr>
+          <p:cNvSpPr/>
+          <p:nvPr/>
+        </p:nvSpPr>
+        <p:spPr>
+          <a:xfrm>
+            <a:off x="5698835" y="4447204"/>
+            <a:ext cx="1958109" cy="572655"/>
+          </a:xfrm>
+          <a:prstGeom prst="roundRect">
+            <a:avLst/>
+          </a:prstGeom>
+          <a:solidFill>
+            <a:schemeClr val="tx2"/>
+          </a:solidFill>
+          <a:ln>
+            <a:solidFill>
+              <a:schemeClr val="tx1"/>
+            </a:solidFill>
+          </a:ln>
+        </p:spPr>
+        <p:style>
+          <a:lnRef idx="2">
+            <a:schemeClr val="accent1">
+              <a:shade val="50000"/>
+            </a:schemeClr>
+          </a:lnRef>
+          <a:fillRef idx="1">
+            <a:schemeClr val="accent1"/>
+          </a:fillRef>
+          <a:effectRef idx="0">
+            <a:schemeClr val="accent1"/>
+          </a:effectRef>
+          <a:fontRef idx="minor">
+            <a:schemeClr val="lt1"/>
+          </a:fontRef>
+        </p:style>
+        <p:txBody>
+          <a:bodyPr rtlCol="0" anchor="ctr"/>
+          <a:lstStyle/>
+          <a:p>
+            <a:pPr algn="ctr"/>
+            <a:r>
+              <a:rPr lang="en-US" altLang="ko-KR" dirty="0"/>
+              <a:t>PDF to JSON</a:t>
+            </a:r>
+            <a:endParaRPr lang="ko-KR" altLang="en-US" dirty="0"/>
+          </a:p>
+        </p:txBody>
+      </p:sp>
+      <p:cxnSp>
+        <p:nvCxnSpPr>
+          <p:cNvPr id="33" name="연결선: 꺾임 32">
+            <a:extLst>
+              <a:ext uri="{FF2B5EF4-FFF2-40B4-BE49-F238E27FC236}">
+                <a16:creationId xmlns:a16="http://schemas.microsoft.com/office/drawing/2014/main" id="{A7163C97-CA6A-260C-4BCB-E14EB36152EB}"/>
+              </a:ext>
+            </a:extLst>
+          </p:cNvPr>
+          <p:cNvCxnSpPr>
+            <a:cxnSpLocks/>
+            <a:endCxn id="31" idx="1"/>
+          </p:cNvCxnSpPr>
+          <p:nvPr/>
+        </p:nvCxnSpPr>
+        <p:spPr>
+          <a:xfrm rot="5400000">
+            <a:off x="4482050" y="3295073"/>
+            <a:ext cx="2655244" cy="221674"/>
+          </a:xfrm>
+          <a:prstGeom prst="bentConnector4">
+            <a:avLst>
+              <a:gd name="adj1" fmla="val -1187"/>
+              <a:gd name="adj2" fmla="val 203124"/>
+            </a:avLst>
+          </a:prstGeom>
+          <a:ln w="50800">
+            <a:solidFill>
+              <a:schemeClr val="tx1">
+                <a:alpha val="75000"/>
+              </a:schemeClr>
+            </a:solidFill>
+            <a:tailEnd type="triangle"/>
+          </a:ln>
+        </p:spPr>
+        <p:style>
+          <a:lnRef idx="1">
+            <a:schemeClr val="accent1"/>
+          </a:lnRef>
+          <a:fillRef idx="0">
+            <a:schemeClr val="accent1"/>
+          </a:fillRef>
+          <a:effectRef idx="0">
+            <a:schemeClr val="accent1"/>
+          </a:effectRef>
+          <a:fontRef idx="minor">
+            <a:schemeClr val="tx1"/>
+          </a:fontRef>
+        </p:style>
+      </p:cxnSp>
+      <p:sp>
+        <p:nvSpPr>
+          <p:cNvPr id="40" name="TextBox 39">
+            <a:extLst>
+              <a:ext uri="{FF2B5EF4-FFF2-40B4-BE49-F238E27FC236}">
+                <a16:creationId xmlns:a16="http://schemas.microsoft.com/office/drawing/2014/main" id="{E6828CA8-13E9-BAB9-0545-5BA45C581068}"/>
+              </a:ext>
+            </a:extLst>
+          </p:cNvPr>
+          <p:cNvSpPr txBox="1"/>
+          <p:nvPr/>
+        </p:nvSpPr>
+        <p:spPr>
+          <a:xfrm>
+            <a:off x="-1483" y="962720"/>
+            <a:ext cx="1080671" cy="923330"/>
+          </a:xfrm>
+          <a:prstGeom prst="rect">
+            <a:avLst/>
+          </a:prstGeom>
+          <a:noFill/>
+        </p:spPr>
+        <p:txBody>
+          <a:bodyPr wrap="square">
+            <a:spAutoFit/>
+          </a:bodyPr>
+          <a:lstStyle/>
+          <a:p>
+            <a:pPr algn="ctr"/>
+            <a:r>
+              <a:rPr lang="en-US" altLang="ko-KR" dirty="0"/>
+              <a:t>Client</a:t>
+            </a:r>
+          </a:p>
+          <a:p>
+            <a:pPr algn="ctr"/>
+            <a:r>
+              <a:rPr lang="en-US" altLang="ko-KR" dirty="0"/>
+              <a:t>Uploads</a:t>
+            </a:r>
+          </a:p>
+          <a:p>
+            <a:pPr algn="ctr"/>
+            <a:r>
+              <a:rPr lang="en-US" altLang="ko-KR" dirty="0"/>
+              <a:t>Image</a:t>
+            </a:r>
+            <a:endParaRPr lang="ko-KR" altLang="en-US" dirty="0"/>
+          </a:p>
+        </p:txBody>
+      </p:sp>
+      <p:cxnSp>
+        <p:nvCxnSpPr>
+          <p:cNvPr id="41" name="연결선: 꺾임 40">
+            <a:extLst>
+              <a:ext uri="{FF2B5EF4-FFF2-40B4-BE49-F238E27FC236}">
+                <a16:creationId xmlns:a16="http://schemas.microsoft.com/office/drawing/2014/main" id="{8EA99834-80BF-3EAE-3850-6D11374DE7EB}"/>
+              </a:ext>
+            </a:extLst>
+          </p:cNvPr>
+          <p:cNvCxnSpPr>
+            <a:cxnSpLocks/>
+            <a:stCxn id="31" idx="3"/>
+            <a:endCxn id="70" idx="1"/>
+          </p:cNvCxnSpPr>
+          <p:nvPr/>
+        </p:nvCxnSpPr>
+        <p:spPr>
+          <a:xfrm flipV="1">
+            <a:off x="7656944" y="1487054"/>
+            <a:ext cx="1409235" cy="3246478"/>
+          </a:xfrm>
+          <a:prstGeom prst="bentConnector3">
+            <a:avLst>
+              <a:gd name="adj1" fmla="val 50000"/>
+            </a:avLst>
+          </a:prstGeom>
+          <a:ln w="50800">
+            <a:solidFill>
+              <a:schemeClr val="tx1">
+                <a:alpha val="75000"/>
+              </a:schemeClr>
+            </a:solidFill>
+            <a:tailEnd type="triangle"/>
+          </a:ln>
+        </p:spPr>
+        <p:style>
+          <a:lnRef idx="1">
+            <a:schemeClr val="accent1"/>
+          </a:lnRef>
+          <a:fillRef idx="0">
+            <a:schemeClr val="accent1"/>
+          </a:fillRef>
+          <a:effectRef idx="0">
+            <a:schemeClr val="accent1"/>
+          </a:effectRef>
+          <a:fontRef idx="minor">
+            <a:schemeClr val="tx1"/>
+          </a:fontRef>
+        </p:style>
+      </p:cxnSp>
+      <p:sp>
+        <p:nvSpPr>
+          <p:cNvPr id="47" name="사각형: 둥근 모서리 46">
+            <a:extLst>
+              <a:ext uri="{FF2B5EF4-FFF2-40B4-BE49-F238E27FC236}">
+                <a16:creationId xmlns:a16="http://schemas.microsoft.com/office/drawing/2014/main" id="{0FF9372E-07E6-52FC-3DB7-10C06BA2E5DB}"/>
+              </a:ext>
+            </a:extLst>
+          </p:cNvPr>
+          <p:cNvSpPr/>
+          <p:nvPr/>
+        </p:nvSpPr>
+        <p:spPr>
+          <a:xfrm>
+            <a:off x="5366326" y="5370946"/>
+            <a:ext cx="2669309" cy="1094506"/>
+          </a:xfrm>
+          <a:prstGeom prst="roundRect">
+            <a:avLst/>
+          </a:prstGeom>
+          <a:noFill/>
+          <a:ln w="38100">
+            <a:solidFill>
+              <a:schemeClr val="accent2">
+                <a:alpha val="75000"/>
+              </a:schemeClr>
+            </a:solidFill>
+          </a:ln>
+        </p:spPr>
+        <p:style>
+          <a:lnRef idx="2">
+            <a:schemeClr val="accent1">
+              <a:shade val="50000"/>
+            </a:schemeClr>
+          </a:lnRef>
+          <a:fillRef idx="1">
+            <a:schemeClr val="accent1"/>
+          </a:fillRef>
+          <a:effectRef idx="0">
+            <a:schemeClr val="accent1"/>
+          </a:effectRef>
+          <a:fontRef idx="minor">
+            <a:schemeClr val="lt1"/>
+          </a:fontRef>
+        </p:style>
+        <p:txBody>
+          <a:bodyPr rtlCol="0" anchor="t"/>
+          <a:lstStyle/>
+          <a:p>
+            <a:r>
+              <a:rPr lang="en-US" altLang="ko-KR" b="1" dirty="0">
+                <a:solidFill>
+                  <a:schemeClr val="tx1"/>
+                </a:solidFill>
+              </a:rPr>
+              <a:t>DB (Firebase)</a:t>
+            </a:r>
+            <a:endParaRPr lang="ko-KR" altLang="en-US" b="1" dirty="0">
+              <a:solidFill>
+                <a:schemeClr val="tx1"/>
+              </a:solidFill>
+            </a:endParaRPr>
+          </a:p>
+        </p:txBody>
+      </p:sp>
+      <p:cxnSp>
+        <p:nvCxnSpPr>
+          <p:cNvPr id="48" name="연결선: 꺾임 47">
+            <a:extLst>
+              <a:ext uri="{FF2B5EF4-FFF2-40B4-BE49-F238E27FC236}">
+                <a16:creationId xmlns:a16="http://schemas.microsoft.com/office/drawing/2014/main" id="{E76723A4-00A1-DC05-62EC-0D987FACDC65}"/>
+              </a:ext>
+            </a:extLst>
+          </p:cNvPr>
+          <p:cNvCxnSpPr>
+            <a:cxnSpLocks/>
+            <a:stCxn id="5" idx="2"/>
+          </p:cNvCxnSpPr>
+          <p:nvPr/>
+        </p:nvCxnSpPr>
+        <p:spPr>
+          <a:xfrm rot="16200000" flipH="1">
+            <a:off x="3720180" y="3929101"/>
+            <a:ext cx="1926885" cy="1365408"/>
+          </a:xfrm>
+          <a:prstGeom prst="bentConnector3">
+            <a:avLst>
+              <a:gd name="adj1" fmla="val 100484"/>
+            </a:avLst>
+          </a:prstGeom>
+          <a:ln w="50800">
+            <a:solidFill>
+              <a:schemeClr val="tx1">
+                <a:alpha val="75000"/>
+              </a:schemeClr>
+            </a:solidFill>
+            <a:tailEnd type="triangle"/>
+          </a:ln>
+        </p:spPr>
+        <p:style>
+          <a:lnRef idx="1">
+            <a:schemeClr val="accent1"/>
+          </a:lnRef>
+          <a:fillRef idx="0">
+            <a:schemeClr val="accent1"/>
+          </a:fillRef>
+          <a:effectRef idx="0">
+            <a:schemeClr val="accent1"/>
+          </a:effectRef>
+          <a:fontRef idx="minor">
+            <a:schemeClr val="tx1"/>
+          </a:fontRef>
+        </p:style>
+      </p:cxnSp>
+      <p:sp>
+        <p:nvSpPr>
+          <p:cNvPr id="52" name="사각형: 둥근 모서리 51">
+            <a:extLst>
+              <a:ext uri="{FF2B5EF4-FFF2-40B4-BE49-F238E27FC236}">
+                <a16:creationId xmlns:a16="http://schemas.microsoft.com/office/drawing/2014/main" id="{EE33E55D-5879-F834-8102-2BA5725FDD06}"/>
+              </a:ext>
+            </a:extLst>
+          </p:cNvPr>
+          <p:cNvSpPr/>
+          <p:nvPr/>
+        </p:nvSpPr>
+        <p:spPr>
+          <a:xfrm>
+            <a:off x="5572961" y="5804754"/>
+            <a:ext cx="2256039" cy="572655"/>
+          </a:xfrm>
+          <a:prstGeom prst="roundRect">
+            <a:avLst/>
+          </a:prstGeom>
+          <a:solidFill>
+            <a:schemeClr val="accent2">
+              <a:alpha val="67000"/>
+            </a:schemeClr>
+          </a:solidFill>
+          <a:ln w="38100">
+            <a:solidFill>
+              <a:schemeClr val="accent2">
+                <a:alpha val="75000"/>
+              </a:schemeClr>
+            </a:solidFill>
+          </a:ln>
+        </p:spPr>
+        <p:style>
+          <a:lnRef idx="2">
+            <a:schemeClr val="accent1">
+              <a:shade val="50000"/>
+            </a:schemeClr>
+          </a:lnRef>
+          <a:fillRef idx="1">
+            <a:schemeClr val="accent1"/>
+          </a:fillRef>
+          <a:effectRef idx="0">
+            <a:schemeClr val="accent1"/>
+          </a:effectRef>
+          <a:fontRef idx="minor">
+            <a:schemeClr val="lt1"/>
+          </a:fontRef>
+        </p:style>
+        <p:txBody>
+          <a:bodyPr rtlCol="0" anchor="ctr"/>
+          <a:lstStyle/>
+          <a:p>
+            <a:pPr algn="ctr"/>
+            <a:r>
+              <a:rPr lang="en-US" altLang="ko-KR" dirty="0" err="1"/>
+              <a:t>Firestore</a:t>
+            </a:r>
+            <a:r>
+              <a:rPr lang="en-US" altLang="ko-KR" dirty="0"/>
+              <a:t> Database</a:t>
+            </a:r>
+            <a:endParaRPr lang="ko-KR" altLang="en-US" dirty="0"/>
+          </a:p>
+        </p:txBody>
+      </p:sp>
+      <p:cxnSp>
+        <p:nvCxnSpPr>
+          <p:cNvPr id="55" name="연결선: 꺾임 54">
+            <a:extLst>
+              <a:ext uri="{FF2B5EF4-FFF2-40B4-BE49-F238E27FC236}">
+                <a16:creationId xmlns:a16="http://schemas.microsoft.com/office/drawing/2014/main" id="{EDA89187-1B07-4A1A-C01B-81E1D60B97EB}"/>
+              </a:ext>
+            </a:extLst>
+          </p:cNvPr>
+          <p:cNvCxnSpPr>
+            <a:cxnSpLocks/>
+            <a:stCxn id="52" idx="1"/>
+          </p:cNvCxnSpPr>
+          <p:nvPr/>
+        </p:nvCxnSpPr>
+        <p:spPr>
+          <a:xfrm rot="10800000">
+            <a:off x="3814625" y="3509816"/>
+            <a:ext cx="1758336" cy="2581267"/>
+          </a:xfrm>
+          <a:prstGeom prst="bentConnector2">
+            <a:avLst/>
+          </a:prstGeom>
+          <a:ln w="50800">
+            <a:solidFill>
+              <a:schemeClr val="tx1">
+                <a:alpha val="75000"/>
+              </a:schemeClr>
+            </a:solidFill>
+            <a:tailEnd type="triangle"/>
+          </a:ln>
+        </p:spPr>
+        <p:style>
+          <a:lnRef idx="1">
+            <a:schemeClr val="accent1"/>
+          </a:lnRef>
+          <a:fillRef idx="0">
+            <a:schemeClr val="accent1"/>
+          </a:fillRef>
+          <a:effectRef idx="0">
+            <a:schemeClr val="accent1"/>
+          </a:effectRef>
+          <a:fontRef idx="minor">
+            <a:schemeClr val="tx1"/>
+          </a:fontRef>
+        </p:style>
+      </p:cxnSp>
+      <p:cxnSp>
+        <p:nvCxnSpPr>
+          <p:cNvPr id="59" name="연결선: 꺾임 58">
+            <a:extLst>
+              <a:ext uri="{FF2B5EF4-FFF2-40B4-BE49-F238E27FC236}">
+                <a16:creationId xmlns:a16="http://schemas.microsoft.com/office/drawing/2014/main" id="{6E9F7EC2-E0DE-BFB5-C528-381E73ADF1D5}"/>
+              </a:ext>
+            </a:extLst>
+          </p:cNvPr>
+          <p:cNvCxnSpPr>
+            <a:cxnSpLocks/>
+            <a:stCxn id="5" idx="1"/>
+          </p:cNvCxnSpPr>
+          <p:nvPr/>
+        </p:nvCxnSpPr>
+        <p:spPr>
+          <a:xfrm rot="10800000" flipV="1">
+            <a:off x="1" y="2974108"/>
+            <a:ext cx="3326663" cy="1357643"/>
+          </a:xfrm>
+          <a:prstGeom prst="bentConnector3">
+            <a:avLst>
+              <a:gd name="adj1" fmla="val 50000"/>
+            </a:avLst>
+          </a:prstGeom>
+          <a:ln w="50800">
+            <a:solidFill>
+              <a:schemeClr val="tx1">
+                <a:alpha val="75000"/>
+              </a:schemeClr>
+            </a:solidFill>
+            <a:tailEnd type="triangle"/>
+          </a:ln>
+        </p:spPr>
+        <p:style>
+          <a:lnRef idx="1">
+            <a:schemeClr val="accent1"/>
+          </a:lnRef>
+          <a:fillRef idx="0">
+            <a:schemeClr val="accent1"/>
+          </a:fillRef>
+          <a:effectRef idx="0">
+            <a:schemeClr val="accent1"/>
+          </a:effectRef>
+          <a:fontRef idx="minor">
+            <a:schemeClr val="tx1"/>
+          </a:fontRef>
+        </p:style>
+      </p:cxnSp>
+      <p:cxnSp>
+        <p:nvCxnSpPr>
+          <p:cNvPr id="62" name="연결선: 꺾임 61">
+            <a:extLst>
+              <a:ext uri="{FF2B5EF4-FFF2-40B4-BE49-F238E27FC236}">
+                <a16:creationId xmlns:a16="http://schemas.microsoft.com/office/drawing/2014/main" id="{68575A2E-B620-CCEE-8F59-3ECDE4A41B05}"/>
+              </a:ext>
+            </a:extLst>
+          </p:cNvPr>
+          <p:cNvCxnSpPr>
+            <a:cxnSpLocks/>
+            <a:stCxn id="5" idx="1"/>
+          </p:cNvCxnSpPr>
+          <p:nvPr/>
+        </p:nvCxnSpPr>
+        <p:spPr>
+          <a:xfrm rot="10800000" flipV="1">
+            <a:off x="1" y="2974109"/>
+            <a:ext cx="3326663" cy="2452306"/>
+          </a:xfrm>
+          <a:prstGeom prst="bentConnector3">
+            <a:avLst>
+              <a:gd name="adj1" fmla="val 50000"/>
+            </a:avLst>
+          </a:prstGeom>
+          <a:ln w="50800">
+            <a:solidFill>
+              <a:schemeClr val="tx1">
+                <a:alpha val="75000"/>
+              </a:schemeClr>
+            </a:solidFill>
+            <a:tailEnd type="triangle"/>
+          </a:ln>
+        </p:spPr>
+        <p:style>
+          <a:lnRef idx="1">
+            <a:schemeClr val="accent1"/>
+          </a:lnRef>
+          <a:fillRef idx="0">
+            <a:schemeClr val="accent1"/>
+          </a:fillRef>
+          <a:effectRef idx="0">
+            <a:schemeClr val="accent1"/>
+          </a:effectRef>
+          <a:fontRef idx="minor">
+            <a:schemeClr val="tx1"/>
+          </a:fontRef>
+        </p:style>
+      </p:cxnSp>
+      <p:sp>
+        <p:nvSpPr>
+          <p:cNvPr id="66" name="TextBox 65">
+            <a:extLst>
+              <a:ext uri="{FF2B5EF4-FFF2-40B4-BE49-F238E27FC236}">
+                <a16:creationId xmlns:a16="http://schemas.microsoft.com/office/drawing/2014/main" id="{77AA1C70-906B-5BE0-302F-D95B3DA1B792}"/>
+              </a:ext>
+            </a:extLst>
+          </p:cNvPr>
+          <p:cNvSpPr txBox="1"/>
+          <p:nvPr/>
+        </p:nvSpPr>
+        <p:spPr>
+          <a:xfrm>
+            <a:off x="1771360" y="4753273"/>
+            <a:ext cx="488945" cy="369332"/>
+          </a:xfrm>
+          <a:prstGeom prst="rect">
+            <a:avLst/>
+          </a:prstGeom>
+          <a:noFill/>
+        </p:spPr>
+        <p:txBody>
+          <a:bodyPr wrap="square">
+            <a:spAutoFit/>
+          </a:bodyPr>
+          <a:lstStyle/>
+          <a:p>
+            <a:r>
+              <a:rPr lang="en-US" altLang="ko-KR" dirty="0"/>
+              <a:t>no</a:t>
+            </a:r>
+            <a:endParaRPr lang="ko-KR" altLang="en-US" dirty="0"/>
+          </a:p>
+        </p:txBody>
+      </p:sp>
+      <p:sp>
+        <p:nvSpPr>
+          <p:cNvPr id="67" name="TextBox 66">
+            <a:extLst>
+              <a:ext uri="{FF2B5EF4-FFF2-40B4-BE49-F238E27FC236}">
+                <a16:creationId xmlns:a16="http://schemas.microsoft.com/office/drawing/2014/main" id="{D5D37C37-145E-6DBC-6062-4AC405E2EF10}"/>
+              </a:ext>
+            </a:extLst>
+          </p:cNvPr>
+          <p:cNvSpPr txBox="1"/>
+          <p:nvPr/>
+        </p:nvSpPr>
+        <p:spPr>
+          <a:xfrm>
+            <a:off x="1771360" y="3637413"/>
+            <a:ext cx="631675" cy="369332"/>
+          </a:xfrm>
+          <a:prstGeom prst="rect">
+            <a:avLst/>
+          </a:prstGeom>
+          <a:noFill/>
+        </p:spPr>
+        <p:txBody>
+          <a:bodyPr wrap="square">
+            <a:spAutoFit/>
+          </a:bodyPr>
+          <a:lstStyle/>
+          <a:p>
+            <a:r>
+              <a:rPr lang="en-US" altLang="ko-KR" dirty="0"/>
+              <a:t>yes</a:t>
+            </a:r>
+            <a:endParaRPr lang="ko-KR" altLang="en-US" dirty="0"/>
+          </a:p>
+        </p:txBody>
+      </p:sp>
+      <p:sp>
+        <p:nvSpPr>
+          <p:cNvPr id="68" name="TextBox 67">
+            <a:extLst>
+              <a:ext uri="{FF2B5EF4-FFF2-40B4-BE49-F238E27FC236}">
+                <a16:creationId xmlns:a16="http://schemas.microsoft.com/office/drawing/2014/main" id="{2C7D9E04-7B13-DB44-F676-E54A4B5DB7A1}"/>
+              </a:ext>
+            </a:extLst>
+          </p:cNvPr>
+          <p:cNvSpPr txBox="1"/>
+          <p:nvPr/>
+        </p:nvSpPr>
+        <p:spPr>
+          <a:xfrm>
+            <a:off x="118799" y="3860758"/>
+            <a:ext cx="914785" cy="369332"/>
+          </a:xfrm>
+          <a:prstGeom prst="rect">
+            <a:avLst/>
+          </a:prstGeom>
+          <a:noFill/>
+        </p:spPr>
+        <p:txBody>
+          <a:bodyPr wrap="square">
+            <a:spAutoFit/>
+          </a:bodyPr>
+          <a:lstStyle/>
+          <a:p>
+            <a:r>
+              <a:rPr lang="en-US" altLang="ko-KR" dirty="0"/>
+              <a:t>return</a:t>
+            </a:r>
+            <a:endParaRPr lang="ko-KR" altLang="en-US" dirty="0"/>
+          </a:p>
+        </p:txBody>
+      </p:sp>
+      <p:sp>
+        <p:nvSpPr>
+          <p:cNvPr id="69" name="TextBox 68">
+            <a:extLst>
+              <a:ext uri="{FF2B5EF4-FFF2-40B4-BE49-F238E27FC236}">
+                <a16:creationId xmlns:a16="http://schemas.microsoft.com/office/drawing/2014/main" id="{195CC290-9E96-705E-5D09-023ABC9DF66B}"/>
+              </a:ext>
+            </a:extLst>
+          </p:cNvPr>
+          <p:cNvSpPr txBox="1"/>
+          <p:nvPr/>
+        </p:nvSpPr>
+        <p:spPr>
+          <a:xfrm>
+            <a:off x="115557" y="4979792"/>
+            <a:ext cx="914785" cy="369332"/>
+          </a:xfrm>
+          <a:prstGeom prst="rect">
+            <a:avLst/>
+          </a:prstGeom>
+          <a:noFill/>
+        </p:spPr>
+        <p:txBody>
+          <a:bodyPr wrap="square">
+            <a:spAutoFit/>
+          </a:bodyPr>
+          <a:lstStyle/>
+          <a:p>
+            <a:r>
+              <a:rPr lang="en-US" altLang="ko-KR" dirty="0"/>
+              <a:t>error</a:t>
+            </a:r>
+            <a:endParaRPr lang="ko-KR" altLang="en-US" dirty="0"/>
+          </a:p>
+        </p:txBody>
+      </p:sp>
+      <p:sp>
+        <p:nvSpPr>
+          <p:cNvPr id="70" name="사각형: 둥근 모서리 69">
+            <a:extLst>
+              <a:ext uri="{FF2B5EF4-FFF2-40B4-BE49-F238E27FC236}">
+                <a16:creationId xmlns:a16="http://schemas.microsoft.com/office/drawing/2014/main" id="{EA09EC34-7959-7877-B0DB-7BA8161D6C58}"/>
+              </a:ext>
+            </a:extLst>
+          </p:cNvPr>
+          <p:cNvSpPr/>
+          <p:nvPr/>
+        </p:nvSpPr>
+        <p:spPr>
+          <a:xfrm>
+            <a:off x="9066179" y="1153628"/>
+            <a:ext cx="2322453" cy="666851"/>
+          </a:xfrm>
+          <a:prstGeom prst="roundRect">
+            <a:avLst/>
+          </a:prstGeom>
+          <a:solidFill>
+            <a:srgbClr val="7030A0">
+              <a:alpha val="50000"/>
+            </a:srgbClr>
+          </a:solidFill>
+          <a:ln w="38100">
+            <a:solidFill>
+              <a:srgbClr val="7030A0"/>
+            </a:solidFill>
+          </a:ln>
+        </p:spPr>
+        <p:style>
+          <a:lnRef idx="2">
+            <a:schemeClr val="accent1">
+              <a:shade val="50000"/>
+            </a:schemeClr>
+          </a:lnRef>
+          <a:fillRef idx="1">
+            <a:schemeClr val="accent1"/>
+          </a:fillRef>
+          <a:effectRef idx="0">
+            <a:schemeClr val="accent1"/>
+          </a:effectRef>
+          <a:fontRef idx="minor">
+            <a:schemeClr val="lt1"/>
+          </a:fontRef>
+        </p:style>
+        <p:txBody>
+          <a:bodyPr rtlCol="0" anchor="ctr"/>
+          <a:lstStyle/>
+          <a:p>
+            <a:pPr algn="ctr"/>
+            <a:r>
+              <a:rPr lang="en-US" altLang="ko-KR" dirty="0"/>
+              <a:t>Data Extraction</a:t>
+            </a:r>
+          </a:p>
+        </p:txBody>
+      </p:sp>
+      <p:sp>
+        <p:nvSpPr>
+          <p:cNvPr id="75" name="사각형: 둥근 모서리 74">
+            <a:extLst>
+              <a:ext uri="{FF2B5EF4-FFF2-40B4-BE49-F238E27FC236}">
+                <a16:creationId xmlns:a16="http://schemas.microsoft.com/office/drawing/2014/main" id="{3B1940E8-CA74-9418-2BD3-1EAD35E253A0}"/>
+              </a:ext>
+            </a:extLst>
+          </p:cNvPr>
+          <p:cNvSpPr/>
+          <p:nvPr/>
+        </p:nvSpPr>
+        <p:spPr>
+          <a:xfrm>
+            <a:off x="9066179" y="2382620"/>
+            <a:ext cx="2322453" cy="666851"/>
+          </a:xfrm>
+          <a:prstGeom prst="roundRect">
+            <a:avLst/>
+          </a:prstGeom>
+          <a:solidFill>
+            <a:srgbClr val="7030A0">
+              <a:alpha val="50000"/>
+            </a:srgbClr>
+          </a:solidFill>
+          <a:ln w="38100">
+            <a:solidFill>
+              <a:srgbClr val="7030A0"/>
+            </a:solidFill>
+          </a:ln>
+        </p:spPr>
+        <p:style>
+          <a:lnRef idx="2">
+            <a:schemeClr val="accent1">
+              <a:shade val="50000"/>
+            </a:schemeClr>
+          </a:lnRef>
+          <a:fillRef idx="1">
+            <a:schemeClr val="accent1"/>
+          </a:fillRef>
+          <a:effectRef idx="0">
+            <a:schemeClr val="accent1"/>
+          </a:effectRef>
+          <a:fontRef idx="minor">
+            <a:schemeClr val="lt1"/>
+          </a:fontRef>
+        </p:style>
+        <p:txBody>
+          <a:bodyPr rtlCol="0" anchor="ctr"/>
+          <a:lstStyle/>
+          <a:p>
+            <a:pPr algn="ctr"/>
+            <a:r>
+              <a:rPr lang="en-US" altLang="ko-KR" dirty="0"/>
+              <a:t>Data Preprocessing</a:t>
+            </a:r>
+            <a:endParaRPr lang="ko-KR" altLang="en-US" dirty="0"/>
+          </a:p>
+        </p:txBody>
+      </p:sp>
+      <p:cxnSp>
+        <p:nvCxnSpPr>
+          <p:cNvPr id="76" name="직선 화살표 연결선 75">
+            <a:extLst>
+              <a:ext uri="{FF2B5EF4-FFF2-40B4-BE49-F238E27FC236}">
+                <a16:creationId xmlns:a16="http://schemas.microsoft.com/office/drawing/2014/main" id="{73F4931C-9AED-7617-EBA6-DC2E9A028512}"/>
+              </a:ext>
+            </a:extLst>
+          </p:cNvPr>
+          <p:cNvCxnSpPr>
+            <a:cxnSpLocks/>
+            <a:stCxn id="70" idx="2"/>
+            <a:endCxn id="75" idx="0"/>
+          </p:cNvCxnSpPr>
+          <p:nvPr/>
+        </p:nvCxnSpPr>
+        <p:spPr>
+          <a:xfrm>
+            <a:off x="10227406" y="1820479"/>
+            <a:ext cx="0" cy="562141"/>
+          </a:xfrm>
+          <a:prstGeom prst="straightConnector1">
+            <a:avLst/>
+          </a:prstGeom>
+          <a:ln w="50800">
+            <a:solidFill>
+              <a:schemeClr val="tx1">
+                <a:alpha val="75000"/>
+              </a:schemeClr>
+            </a:solidFill>
+            <a:tailEnd type="triangle"/>
+          </a:ln>
+        </p:spPr>
+        <p:style>
+          <a:lnRef idx="1">
+            <a:schemeClr val="accent1"/>
+          </a:lnRef>
+          <a:fillRef idx="0">
+            <a:schemeClr val="accent1"/>
+          </a:fillRef>
+          <a:effectRef idx="0">
+            <a:schemeClr val="accent1"/>
+          </a:effectRef>
+          <a:fontRef idx="minor">
+            <a:schemeClr val="tx1"/>
+          </a:fontRef>
+        </p:style>
+      </p:cxnSp>
+      <p:sp>
+        <p:nvSpPr>
+          <p:cNvPr id="79" name="사각형: 둥근 모서리 78">
+            <a:extLst>
+              <a:ext uri="{FF2B5EF4-FFF2-40B4-BE49-F238E27FC236}">
+                <a16:creationId xmlns:a16="http://schemas.microsoft.com/office/drawing/2014/main" id="{24F1A1DF-BDE2-5573-9523-FFFA8E6D0D37}"/>
+              </a:ext>
+            </a:extLst>
+          </p:cNvPr>
+          <p:cNvSpPr/>
+          <p:nvPr/>
+        </p:nvSpPr>
+        <p:spPr>
+          <a:xfrm>
+            <a:off x="9066179" y="3619738"/>
+            <a:ext cx="2322453" cy="1955510"/>
+          </a:xfrm>
+          <a:prstGeom prst="roundRect">
+            <a:avLst/>
+          </a:prstGeom>
+          <a:solidFill>
+            <a:srgbClr val="7030A0">
+              <a:alpha val="50000"/>
+            </a:srgbClr>
+          </a:solidFill>
+          <a:ln w="38100">
+            <a:solidFill>
+              <a:srgbClr val="7030A0"/>
+            </a:solidFill>
+          </a:ln>
+        </p:spPr>
+        <p:style>
+          <a:lnRef idx="2">
+            <a:schemeClr val="accent1">
+              <a:shade val="50000"/>
+            </a:schemeClr>
+          </a:lnRef>
+          <a:fillRef idx="1">
+            <a:schemeClr val="accent1"/>
+          </a:fillRef>
+          <a:effectRef idx="0">
+            <a:schemeClr val="accent1"/>
+          </a:effectRef>
+          <a:fontRef idx="minor">
+            <a:schemeClr val="lt1"/>
+          </a:fontRef>
+        </p:style>
+        <p:txBody>
+          <a:bodyPr rtlCol="0" anchor="t"/>
+          <a:lstStyle/>
+          <a:p>
+            <a:pPr algn="ctr"/>
+            <a:r>
+              <a:rPr lang="ko-KR" altLang="en-US" dirty="0"/>
+              <a:t>유형 분류 </a:t>
+            </a:r>
+            <a:r>
+              <a:rPr lang="en-US" altLang="ko-KR" dirty="0"/>
+              <a:t>Model</a:t>
+            </a:r>
+            <a:endParaRPr lang="ko-KR" altLang="en-US" dirty="0"/>
+          </a:p>
+        </p:txBody>
+      </p:sp>
+      <p:cxnSp>
+        <p:nvCxnSpPr>
+          <p:cNvPr id="80" name="직선 화살표 연결선 79">
+            <a:extLst>
+              <a:ext uri="{FF2B5EF4-FFF2-40B4-BE49-F238E27FC236}">
+                <a16:creationId xmlns:a16="http://schemas.microsoft.com/office/drawing/2014/main" id="{1D911A85-191D-67B6-F6AB-2E3065EB1151}"/>
+              </a:ext>
+            </a:extLst>
+          </p:cNvPr>
+          <p:cNvCxnSpPr>
+            <a:cxnSpLocks/>
+            <a:endCxn id="79" idx="0"/>
+          </p:cNvCxnSpPr>
+          <p:nvPr/>
+        </p:nvCxnSpPr>
+        <p:spPr>
+          <a:xfrm>
+            <a:off x="10227406" y="3057597"/>
+            <a:ext cx="0" cy="562141"/>
+          </a:xfrm>
+          <a:prstGeom prst="straightConnector1">
+            <a:avLst/>
+          </a:prstGeom>
+          <a:ln w="50800">
+            <a:solidFill>
+              <a:schemeClr val="tx1">
+                <a:alpha val="75000"/>
+              </a:schemeClr>
+            </a:solidFill>
+            <a:tailEnd type="triangle"/>
+          </a:ln>
+        </p:spPr>
+        <p:style>
+          <a:lnRef idx="1">
+            <a:schemeClr val="accent1"/>
+          </a:lnRef>
+          <a:fillRef idx="0">
+            <a:schemeClr val="accent1"/>
+          </a:fillRef>
+          <a:effectRef idx="0">
+            <a:schemeClr val="accent1"/>
+          </a:effectRef>
+          <a:fontRef idx="minor">
+            <a:schemeClr val="tx1"/>
+          </a:fontRef>
+        </p:style>
+      </p:cxnSp>
+      <p:cxnSp>
+        <p:nvCxnSpPr>
+          <p:cNvPr id="85" name="연결선: 꺾임 84">
+            <a:extLst>
+              <a:ext uri="{FF2B5EF4-FFF2-40B4-BE49-F238E27FC236}">
+                <a16:creationId xmlns:a16="http://schemas.microsoft.com/office/drawing/2014/main" id="{7EDF85C4-8B51-CDFE-9905-284B61816D94}"/>
+              </a:ext>
+            </a:extLst>
+          </p:cNvPr>
+          <p:cNvCxnSpPr>
+            <a:cxnSpLocks/>
+            <a:stCxn id="79" idx="1"/>
+            <a:endCxn id="5" idx="3"/>
+          </p:cNvCxnSpPr>
+          <p:nvPr/>
+        </p:nvCxnSpPr>
+        <p:spPr>
+          <a:xfrm rot="10800000">
+            <a:off x="4675173" y="2974109"/>
+            <a:ext cx="4391007" cy="1623384"/>
+          </a:xfrm>
+          <a:prstGeom prst="bentConnector3">
+            <a:avLst>
+              <a:gd name="adj1" fmla="val 7908"/>
+            </a:avLst>
+          </a:prstGeom>
+          <a:ln w="50800">
+            <a:solidFill>
+              <a:schemeClr val="tx1">
+                <a:alpha val="75000"/>
+              </a:schemeClr>
+            </a:solidFill>
+            <a:tailEnd type="triangle"/>
+          </a:ln>
+        </p:spPr>
+        <p:style>
+          <a:lnRef idx="1">
+            <a:schemeClr val="accent1"/>
+          </a:lnRef>
+          <a:fillRef idx="0">
+            <a:schemeClr val="accent1"/>
+          </a:fillRef>
+          <a:effectRef idx="0">
+            <a:schemeClr val="accent1"/>
+          </a:effectRef>
+          <a:fontRef idx="minor">
+            <a:schemeClr val="tx1"/>
+          </a:fontRef>
+        </p:style>
+      </p:cxnSp>
+      <p:sp>
+        <p:nvSpPr>
+          <p:cNvPr id="89" name="사각형: 둥근 모서리 88">
+            <a:extLst>
+              <a:ext uri="{FF2B5EF4-FFF2-40B4-BE49-F238E27FC236}">
+                <a16:creationId xmlns:a16="http://schemas.microsoft.com/office/drawing/2014/main" id="{030CA2BB-F3D5-5660-C288-76C49EDFC679}"/>
+              </a:ext>
+            </a:extLst>
+          </p:cNvPr>
+          <p:cNvSpPr/>
+          <p:nvPr/>
+        </p:nvSpPr>
+        <p:spPr>
+          <a:xfrm>
+            <a:off x="4062533" y="196369"/>
+            <a:ext cx="4873657" cy="810705"/>
+          </a:xfrm>
+          <a:prstGeom prst="roundRect">
+            <a:avLst/>
+          </a:prstGeom>
+          <a:noFill/>
+          <a:ln>
+            <a:noFill/>
+          </a:ln>
+        </p:spPr>
+        <p:style>
+          <a:lnRef idx="2">
+            <a:schemeClr val="accent1">
+              <a:shade val="50000"/>
+            </a:schemeClr>
+          </a:lnRef>
+          <a:fillRef idx="1">
+            <a:schemeClr val="accent1"/>
+          </a:fillRef>
+          <a:effectRef idx="0">
+            <a:schemeClr val="accent1"/>
+          </a:effectRef>
+          <a:fontRef idx="minor">
+            <a:schemeClr val="lt1"/>
+          </a:fontRef>
+        </p:style>
+        <p:txBody>
+          <a:bodyPr rtlCol="0" anchor="ctr"/>
+          <a:lstStyle/>
+          <a:p>
+            <a:pPr algn="ctr"/>
+            <a:r>
+              <a:rPr lang="en-US" altLang="ko-KR" sz="4000" u="sng" dirty="0">
+                <a:solidFill>
+                  <a:schemeClr val="tx1"/>
+                </a:solidFill>
+              </a:rPr>
+              <a:t>System</a:t>
+            </a:r>
+            <a:endParaRPr lang="ko-KR" altLang="en-US" sz="4000" u="sng" dirty="0">
+              <a:solidFill>
+                <a:schemeClr val="tx1"/>
+              </a:solidFill>
+            </a:endParaRPr>
+          </a:p>
+        </p:txBody>
+      </p:sp>
+    </p:spTree>
+    <p:extLst>
+      <p:ext uri="{BB962C8B-B14F-4D97-AF65-F5344CB8AC3E}">
+        <p14:creationId xmlns:p14="http://schemas.microsoft.com/office/powerpoint/2010/main" val="3556705137"/>
+      </p:ext>
+    </p:extLst>
+  </p:cSld>
+  <p:clrMapOvr>
+    <a:masterClrMapping/>
+  </p:clrMapOvr>
+</p:sld>
+</file>
+
+<file path=ppt/slides/slide5.xml><?xml version="1.0" encoding="utf-8"?>
+<p:sld xmlns:a="http://schemas.openxmlformats.org/drawingml/2006/main" xmlns:r="http://schemas.openxmlformats.org/officeDocument/2006/relationships" xmlns:p="http://schemas.openxmlformats.org/presentationml/2006/main">
+  <p:cSld>
+    <p:spTree>
+      <p:nvGrpSpPr>
+        <p:cNvPr id="1" name=""/>
+        <p:cNvGrpSpPr/>
+        <p:nvPr/>
+      </p:nvGrpSpPr>
+      <p:grpSpPr>
+        <a:xfrm>
+          <a:off x="0" y="0"/>
+          <a:ext cx="0" cy="0"/>
+          <a:chOff x="0" y="0"/>
+          <a:chExt cx="0" cy="0"/>
+        </a:xfrm>
+      </p:grpSpPr>
+      <p:sp>
+        <p:nvSpPr>
+          <p:cNvPr id="4" name="사각형: 둥근 모서리 3">
+            <a:extLst>
+              <a:ext uri="{FF2B5EF4-FFF2-40B4-BE49-F238E27FC236}">
+                <a16:creationId xmlns:a16="http://schemas.microsoft.com/office/drawing/2014/main" id="{CDC0CAD5-2C12-C593-7A59-5B5BCAE7413B}"/>
+              </a:ext>
+            </a:extLst>
+          </p:cNvPr>
+          <p:cNvSpPr/>
+          <p:nvPr/>
+        </p:nvSpPr>
+        <p:spPr>
+          <a:xfrm>
+            <a:off x="3440784" y="292231"/>
+            <a:ext cx="4873657" cy="810705"/>
+          </a:xfrm>
+          <a:prstGeom prst="roundRect">
+            <a:avLst/>
+          </a:prstGeom>
+          <a:noFill/>
+          <a:ln>
+            <a:noFill/>
+          </a:ln>
+        </p:spPr>
+        <p:style>
+          <a:lnRef idx="2">
+            <a:schemeClr val="accent1">
+              <a:shade val="50000"/>
+            </a:schemeClr>
+          </a:lnRef>
+          <a:fillRef idx="1">
+            <a:schemeClr val="accent1"/>
+          </a:fillRef>
+          <a:effectRef idx="0">
+            <a:schemeClr val="accent1"/>
+          </a:effectRef>
+          <a:fontRef idx="minor">
+            <a:schemeClr val="lt1"/>
+          </a:fontRef>
+        </p:style>
+        <p:txBody>
+          <a:bodyPr rtlCol="0" anchor="ctr"/>
+          <a:lstStyle/>
+          <a:p>
+            <a:pPr algn="ctr"/>
+            <a:r>
+              <a:rPr lang="en-US" altLang="ko-KR" sz="4000" u="sng" dirty="0">
+                <a:solidFill>
+                  <a:schemeClr val="tx1"/>
+                </a:solidFill>
+              </a:rPr>
+              <a:t>Environment</a:t>
+            </a:r>
+            <a:endParaRPr lang="ko-KR" altLang="en-US" sz="4000" u="sng" dirty="0">
+              <a:solidFill>
+                <a:schemeClr val="tx1"/>
+              </a:solidFill>
+            </a:endParaRPr>
+          </a:p>
+        </p:txBody>
+      </p:sp>
+      <p:sp>
+        <p:nvSpPr>
+          <p:cNvPr id="6" name="직사각형 5">
+            <a:extLst>
+              <a:ext uri="{FF2B5EF4-FFF2-40B4-BE49-F238E27FC236}">
+                <a16:creationId xmlns:a16="http://schemas.microsoft.com/office/drawing/2014/main" id="{5ADA88AA-25A2-7991-F3C9-3FEECEC34A1C}"/>
+              </a:ext>
+            </a:extLst>
+          </p:cNvPr>
+          <p:cNvSpPr/>
+          <p:nvPr/>
+        </p:nvSpPr>
+        <p:spPr>
+          <a:xfrm>
+            <a:off x="736468" y="1544969"/>
+            <a:ext cx="2056268" cy="584462"/>
+          </a:xfrm>
+          <a:prstGeom prst="rect">
+            <a:avLst/>
+          </a:prstGeom>
+          <a:solidFill>
+            <a:schemeClr val="accent1">
+              <a:lumMod val="75000"/>
+            </a:schemeClr>
+          </a:solidFill>
+          <a:ln>
+            <a:noFill/>
+          </a:ln>
+        </p:spPr>
+        <p:style>
+          <a:lnRef idx="2">
+            <a:schemeClr val="accent1">
+              <a:shade val="50000"/>
+            </a:schemeClr>
+          </a:lnRef>
+          <a:fillRef idx="1">
+            <a:schemeClr val="accent1"/>
+          </a:fillRef>
+          <a:effectRef idx="0">
+            <a:schemeClr val="accent1"/>
+          </a:effectRef>
+          <a:fontRef idx="minor">
+            <a:schemeClr val="lt1"/>
+          </a:fontRef>
+        </p:style>
+        <p:txBody>
+          <a:bodyPr rtlCol="0" anchor="ctr"/>
+          <a:lstStyle/>
+          <a:p>
+            <a:pPr algn="ctr"/>
+            <a:r>
+              <a:rPr lang="en-US" altLang="ko-KR" dirty="0"/>
+              <a:t>Front (svelte)</a:t>
+            </a:r>
+            <a:endParaRPr lang="ko-KR" altLang="en-US" dirty="0"/>
+          </a:p>
+        </p:txBody>
+      </p:sp>
+      <p:sp>
+        <p:nvSpPr>
+          <p:cNvPr id="7" name="직사각형 6">
+            <a:extLst>
+              <a:ext uri="{FF2B5EF4-FFF2-40B4-BE49-F238E27FC236}">
+                <a16:creationId xmlns:a16="http://schemas.microsoft.com/office/drawing/2014/main" id="{4BAE5E6C-58F0-32A5-0DFE-0E6E0EF514B5}"/>
+              </a:ext>
+            </a:extLst>
+          </p:cNvPr>
+          <p:cNvSpPr/>
+          <p:nvPr/>
+        </p:nvSpPr>
+        <p:spPr>
+          <a:xfrm>
+            <a:off x="1005463" y="2441540"/>
+            <a:ext cx="1518281" cy="452486"/>
+          </a:xfrm>
+          <a:prstGeom prst="rect">
+            <a:avLst/>
+          </a:prstGeom>
+          <a:solidFill>
+            <a:schemeClr val="accent1">
+              <a:lumMod val="60000"/>
+              <a:lumOff val="40000"/>
+            </a:schemeClr>
+          </a:solidFill>
+          <a:ln>
+            <a:noFill/>
+          </a:ln>
+        </p:spPr>
+        <p:style>
+          <a:lnRef idx="2">
+            <a:schemeClr val="accent1">
+              <a:shade val="50000"/>
+            </a:schemeClr>
+          </a:lnRef>
+          <a:fillRef idx="1">
+            <a:schemeClr val="accent1"/>
+          </a:fillRef>
+          <a:effectRef idx="0">
+            <a:schemeClr val="accent1"/>
+          </a:effectRef>
+          <a:fontRef idx="minor">
+            <a:schemeClr val="lt1"/>
+          </a:fontRef>
+        </p:style>
+        <p:txBody>
+          <a:bodyPr rtlCol="0" anchor="ctr"/>
+          <a:lstStyle/>
+          <a:p>
+            <a:r>
+              <a:rPr lang="en-US" altLang="ko-KR" dirty="0"/>
+              <a:t>1. Page </a:t>
+            </a:r>
+            <a:endParaRPr lang="ko-KR" altLang="en-US" dirty="0"/>
+          </a:p>
+        </p:txBody>
+      </p:sp>
+      <p:sp>
+        <p:nvSpPr>
+          <p:cNvPr id="8" name="직사각형 7">
+            <a:extLst>
+              <a:ext uri="{FF2B5EF4-FFF2-40B4-BE49-F238E27FC236}">
+                <a16:creationId xmlns:a16="http://schemas.microsoft.com/office/drawing/2014/main" id="{67AB5AD7-E7AA-EF3B-80BE-36A4EB168089}"/>
+              </a:ext>
+            </a:extLst>
+          </p:cNvPr>
+          <p:cNvSpPr/>
+          <p:nvPr/>
+        </p:nvSpPr>
+        <p:spPr>
+          <a:xfrm>
+            <a:off x="1005463" y="3723965"/>
+            <a:ext cx="1518281" cy="452486"/>
+          </a:xfrm>
+          <a:prstGeom prst="rect">
+            <a:avLst/>
+          </a:prstGeom>
+          <a:solidFill>
+            <a:schemeClr val="accent1">
+              <a:lumMod val="60000"/>
+              <a:lumOff val="40000"/>
+            </a:schemeClr>
+          </a:solidFill>
+          <a:ln>
+            <a:noFill/>
+          </a:ln>
+        </p:spPr>
+        <p:style>
+          <a:lnRef idx="2">
+            <a:schemeClr val="accent1">
+              <a:shade val="50000"/>
+            </a:schemeClr>
+          </a:lnRef>
+          <a:fillRef idx="1">
+            <a:schemeClr val="accent1"/>
+          </a:fillRef>
+          <a:effectRef idx="0">
+            <a:schemeClr val="accent1"/>
+          </a:effectRef>
+          <a:fontRef idx="minor">
+            <a:schemeClr val="lt1"/>
+          </a:fontRef>
+        </p:style>
+        <p:txBody>
+          <a:bodyPr rtlCol="0" anchor="ctr"/>
+          <a:lstStyle/>
+          <a:p>
+            <a:r>
+              <a:rPr lang="en-US" altLang="ko-KR" spc="-150" dirty="0"/>
+              <a:t>2. Component </a:t>
+            </a:r>
+            <a:endParaRPr lang="ko-KR" altLang="en-US" spc="-150" dirty="0"/>
+          </a:p>
+        </p:txBody>
+      </p:sp>
+      <p:sp>
+        <p:nvSpPr>
+          <p:cNvPr id="9" name="직사각형 8">
+            <a:extLst>
+              <a:ext uri="{FF2B5EF4-FFF2-40B4-BE49-F238E27FC236}">
+                <a16:creationId xmlns:a16="http://schemas.microsoft.com/office/drawing/2014/main" id="{BF32F3E1-9F60-23E4-0369-466AD0AD04E6}"/>
+              </a:ext>
+            </a:extLst>
+          </p:cNvPr>
+          <p:cNvSpPr/>
+          <p:nvPr/>
+        </p:nvSpPr>
+        <p:spPr>
+          <a:xfrm>
+            <a:off x="1005462" y="4978958"/>
+            <a:ext cx="1518281" cy="452486"/>
+          </a:xfrm>
+          <a:prstGeom prst="rect">
+            <a:avLst/>
+          </a:prstGeom>
+          <a:solidFill>
+            <a:schemeClr val="accent1">
+              <a:lumMod val="60000"/>
+              <a:lumOff val="40000"/>
+            </a:schemeClr>
+          </a:solidFill>
+          <a:ln>
+            <a:noFill/>
+          </a:ln>
+        </p:spPr>
+        <p:style>
+          <a:lnRef idx="2">
+            <a:schemeClr val="accent1">
+              <a:shade val="50000"/>
+            </a:schemeClr>
+          </a:lnRef>
+          <a:fillRef idx="1">
+            <a:schemeClr val="accent1"/>
+          </a:fillRef>
+          <a:effectRef idx="0">
+            <a:schemeClr val="accent1"/>
+          </a:effectRef>
+          <a:fontRef idx="minor">
+            <a:schemeClr val="lt1"/>
+          </a:fontRef>
+        </p:style>
+        <p:txBody>
+          <a:bodyPr rtlCol="0" anchor="ctr"/>
+          <a:lstStyle/>
+          <a:p>
+            <a:r>
+              <a:rPr lang="en-US" altLang="ko-KR" dirty="0"/>
+              <a:t>3. Lib(Static)</a:t>
+            </a:r>
+            <a:endParaRPr lang="ko-KR" altLang="en-US" dirty="0"/>
+          </a:p>
+        </p:txBody>
+      </p:sp>
+      <p:sp>
+        <p:nvSpPr>
+          <p:cNvPr id="3" name="TextBox 2">
+            <a:extLst>
+              <a:ext uri="{FF2B5EF4-FFF2-40B4-BE49-F238E27FC236}">
+                <a16:creationId xmlns:a16="http://schemas.microsoft.com/office/drawing/2014/main" id="{74873194-3275-368D-BB56-0846354E46EF}"/>
+              </a:ext>
+            </a:extLst>
+          </p:cNvPr>
+          <p:cNvSpPr txBox="1"/>
+          <p:nvPr/>
+        </p:nvSpPr>
+        <p:spPr>
+          <a:xfrm>
+            <a:off x="1111948" y="2949369"/>
+            <a:ext cx="1823275" cy="646331"/>
+          </a:xfrm>
+          <a:prstGeom prst="rect">
+            <a:avLst/>
+          </a:prstGeom>
+          <a:noFill/>
+        </p:spPr>
+        <p:txBody>
+          <a:bodyPr wrap="square">
+            <a:spAutoFit/>
+          </a:bodyPr>
+          <a:lstStyle/>
+          <a:p>
+            <a:r>
+              <a:rPr lang="en-US" altLang="ko-KR" dirty="0"/>
+              <a:t>Main</a:t>
+            </a:r>
+          </a:p>
+          <a:p>
+            <a:r>
+              <a:rPr lang="en-US" altLang="ko-KR" dirty="0"/>
+              <a:t>Upload</a:t>
+            </a:r>
+          </a:p>
+        </p:txBody>
+      </p:sp>
+      <p:sp>
+        <p:nvSpPr>
+          <p:cNvPr id="10" name="TextBox 9">
+            <a:extLst>
+              <a:ext uri="{FF2B5EF4-FFF2-40B4-BE49-F238E27FC236}">
+                <a16:creationId xmlns:a16="http://schemas.microsoft.com/office/drawing/2014/main" id="{0DAEE162-FA65-BF89-A389-648361A4BCD1}"/>
+              </a:ext>
+            </a:extLst>
+          </p:cNvPr>
+          <p:cNvSpPr txBox="1"/>
+          <p:nvPr/>
+        </p:nvSpPr>
+        <p:spPr>
+          <a:xfrm>
+            <a:off x="1111947" y="4245295"/>
+            <a:ext cx="1823275" cy="646331"/>
+          </a:xfrm>
+          <a:prstGeom prst="rect">
+            <a:avLst/>
+          </a:prstGeom>
+          <a:noFill/>
+        </p:spPr>
+        <p:txBody>
+          <a:bodyPr wrap="square">
+            <a:spAutoFit/>
+          </a:bodyPr>
+          <a:lstStyle/>
+          <a:p>
+            <a:r>
+              <a:rPr lang="en-US" altLang="ko-KR" dirty="0"/>
+              <a:t>Image.js </a:t>
+            </a:r>
+            <a:r>
+              <a:rPr lang="en-US" altLang="ko-KR" dirty="0" err="1"/>
+              <a:t>api</a:t>
+            </a:r>
+            <a:endParaRPr lang="en-US" altLang="ko-KR" dirty="0"/>
+          </a:p>
+          <a:p>
+            <a:r>
+              <a:rPr lang="en-US" altLang="ko-KR" dirty="0"/>
+              <a:t>Firebase.js</a:t>
+            </a:r>
+          </a:p>
+        </p:txBody>
+      </p:sp>
+      <p:sp>
+        <p:nvSpPr>
+          <p:cNvPr id="11" name="TextBox 10">
+            <a:extLst>
+              <a:ext uri="{FF2B5EF4-FFF2-40B4-BE49-F238E27FC236}">
+                <a16:creationId xmlns:a16="http://schemas.microsoft.com/office/drawing/2014/main" id="{89E11948-DFB5-28C4-6ECC-72945C803618}"/>
+              </a:ext>
+            </a:extLst>
+          </p:cNvPr>
+          <p:cNvSpPr txBox="1"/>
+          <p:nvPr/>
+        </p:nvSpPr>
+        <p:spPr>
+          <a:xfrm>
+            <a:off x="1111947" y="5495966"/>
+            <a:ext cx="1823275" cy="369332"/>
+          </a:xfrm>
+          <a:prstGeom prst="rect">
+            <a:avLst/>
+          </a:prstGeom>
+          <a:noFill/>
+        </p:spPr>
+        <p:txBody>
+          <a:bodyPr wrap="square">
+            <a:spAutoFit/>
+          </a:bodyPr>
+          <a:lstStyle/>
+          <a:p>
+            <a:r>
+              <a:rPr lang="en-US" altLang="ko-KR" dirty="0"/>
+              <a:t>Icon </a:t>
+            </a:r>
+            <a:endParaRPr lang="ko-KR" altLang="en-US" dirty="0"/>
+          </a:p>
+        </p:txBody>
+      </p:sp>
+      <p:sp>
+        <p:nvSpPr>
+          <p:cNvPr id="12" name="직사각형 11">
+            <a:extLst>
+              <a:ext uri="{FF2B5EF4-FFF2-40B4-BE49-F238E27FC236}">
+                <a16:creationId xmlns:a16="http://schemas.microsoft.com/office/drawing/2014/main" id="{9AA9BF23-FF4E-C114-0B65-87FD42DDB247}"/>
+              </a:ext>
+            </a:extLst>
+          </p:cNvPr>
+          <p:cNvSpPr/>
+          <p:nvPr/>
+        </p:nvSpPr>
+        <p:spPr>
+          <a:xfrm>
+            <a:off x="3479668" y="1544969"/>
+            <a:ext cx="2056268" cy="584462"/>
+          </a:xfrm>
+          <a:prstGeom prst="rect">
+            <a:avLst/>
+          </a:prstGeom>
+          <a:solidFill>
+            <a:schemeClr val="accent6">
+              <a:lumMod val="75000"/>
+            </a:schemeClr>
+          </a:solidFill>
+          <a:ln>
+            <a:noFill/>
+          </a:ln>
+        </p:spPr>
+        <p:style>
+          <a:lnRef idx="2">
+            <a:schemeClr val="accent1">
+              <a:shade val="50000"/>
+            </a:schemeClr>
+          </a:lnRef>
+          <a:fillRef idx="1">
+            <a:schemeClr val="accent1"/>
+          </a:fillRef>
+          <a:effectRef idx="0">
+            <a:schemeClr val="accent1"/>
+          </a:effectRef>
+          <a:fontRef idx="minor">
+            <a:schemeClr val="lt1"/>
+          </a:fontRef>
+        </p:style>
+        <p:txBody>
+          <a:bodyPr rtlCol="0" anchor="ctr"/>
+          <a:lstStyle/>
+          <a:p>
+            <a:pPr algn="ctr"/>
+            <a:r>
+              <a:rPr lang="en-US" altLang="ko-KR" dirty="0"/>
+              <a:t>DB (Firebase)</a:t>
+            </a:r>
+            <a:endParaRPr lang="ko-KR" altLang="en-US" dirty="0"/>
+          </a:p>
+        </p:txBody>
+      </p:sp>
+      <p:sp>
+        <p:nvSpPr>
+          <p:cNvPr id="13" name="직사각형 12">
+            <a:extLst>
+              <a:ext uri="{FF2B5EF4-FFF2-40B4-BE49-F238E27FC236}">
+                <a16:creationId xmlns:a16="http://schemas.microsoft.com/office/drawing/2014/main" id="{B39F6956-0557-89BF-1D3B-17C8C68C34FE}"/>
+              </a:ext>
+            </a:extLst>
+          </p:cNvPr>
+          <p:cNvSpPr/>
+          <p:nvPr/>
+        </p:nvSpPr>
+        <p:spPr>
+          <a:xfrm>
+            <a:off x="3748663" y="2441539"/>
+            <a:ext cx="1518281" cy="692495"/>
+          </a:xfrm>
+          <a:prstGeom prst="rect">
+            <a:avLst/>
+          </a:prstGeom>
+          <a:solidFill>
+            <a:schemeClr val="accent6">
+              <a:lumMod val="60000"/>
+              <a:lumOff val="40000"/>
+            </a:schemeClr>
+          </a:solidFill>
+          <a:ln>
+            <a:noFill/>
+          </a:ln>
+        </p:spPr>
+        <p:style>
+          <a:lnRef idx="2">
+            <a:schemeClr val="accent1">
+              <a:shade val="50000"/>
+            </a:schemeClr>
+          </a:lnRef>
+          <a:fillRef idx="1">
+            <a:schemeClr val="accent1"/>
+          </a:fillRef>
+          <a:effectRef idx="0">
+            <a:schemeClr val="accent1"/>
+          </a:effectRef>
+          <a:fontRef idx="minor">
+            <a:schemeClr val="lt1"/>
+          </a:fontRef>
+        </p:style>
+        <p:txBody>
+          <a:bodyPr rtlCol="0" anchor="ctr"/>
+          <a:lstStyle/>
+          <a:p>
+            <a:pPr marL="342900" indent="-342900">
+              <a:buAutoNum type="arabicPeriod"/>
+            </a:pPr>
+            <a:r>
+              <a:rPr lang="en-US" altLang="ko-KR" dirty="0" err="1"/>
+              <a:t>Firestore</a:t>
+            </a:r>
+            <a:endParaRPr lang="en-US" altLang="ko-KR" dirty="0"/>
+          </a:p>
+          <a:p>
+            <a:r>
+              <a:rPr lang="en-US" altLang="ko-KR" dirty="0"/>
+              <a:t>Database</a:t>
+            </a:r>
+            <a:endParaRPr lang="ko-KR" altLang="en-US" dirty="0"/>
+          </a:p>
+        </p:txBody>
+      </p:sp>
+      <p:sp>
+        <p:nvSpPr>
+          <p:cNvPr id="17" name="TextBox 16">
+            <a:extLst>
+              <a:ext uri="{FF2B5EF4-FFF2-40B4-BE49-F238E27FC236}">
+                <a16:creationId xmlns:a16="http://schemas.microsoft.com/office/drawing/2014/main" id="{1D54DEDD-E703-B0C1-8FDD-5652B8EF3EC1}"/>
+              </a:ext>
+            </a:extLst>
+          </p:cNvPr>
+          <p:cNvSpPr txBox="1"/>
+          <p:nvPr/>
+        </p:nvSpPr>
+        <p:spPr>
+          <a:xfrm>
+            <a:off x="3855147" y="3217981"/>
+            <a:ext cx="1823275" cy="646331"/>
+          </a:xfrm>
+          <a:prstGeom prst="rect">
+            <a:avLst/>
+          </a:prstGeom>
+          <a:noFill/>
+        </p:spPr>
+        <p:txBody>
+          <a:bodyPr wrap="square">
+            <a:spAutoFit/>
+          </a:bodyPr>
+          <a:lstStyle/>
+          <a:p>
+            <a:r>
+              <a:rPr lang="ko-KR" altLang="en-US" dirty="0"/>
+              <a:t>문제 유형</a:t>
+            </a:r>
+            <a:endParaRPr lang="en-US" altLang="ko-KR" dirty="0"/>
+          </a:p>
+          <a:p>
+            <a:r>
+              <a:rPr lang="ko-KR" altLang="en-US" dirty="0"/>
+              <a:t>컨텐츠 해설</a:t>
+            </a:r>
+            <a:endParaRPr lang="en-US" altLang="ko-KR" dirty="0"/>
+          </a:p>
+        </p:txBody>
+      </p:sp>
+      <p:sp>
+        <p:nvSpPr>
+          <p:cNvPr id="19" name="직사각형 18">
+            <a:extLst>
+              <a:ext uri="{FF2B5EF4-FFF2-40B4-BE49-F238E27FC236}">
+                <a16:creationId xmlns:a16="http://schemas.microsoft.com/office/drawing/2014/main" id="{AD35C58C-3DC5-9261-787A-9017D187B0F4}"/>
+              </a:ext>
+            </a:extLst>
+          </p:cNvPr>
+          <p:cNvSpPr/>
+          <p:nvPr/>
+        </p:nvSpPr>
+        <p:spPr>
+          <a:xfrm>
+            <a:off x="6186868" y="1544969"/>
+            <a:ext cx="5053787" cy="584462"/>
+          </a:xfrm>
+          <a:prstGeom prst="rect">
+            <a:avLst/>
+          </a:prstGeom>
+          <a:solidFill>
+            <a:schemeClr val="tx1">
+              <a:lumMod val="50000"/>
+              <a:lumOff val="50000"/>
+            </a:schemeClr>
+          </a:solidFill>
+          <a:ln>
+            <a:noFill/>
+          </a:ln>
+        </p:spPr>
+        <p:style>
+          <a:lnRef idx="2">
+            <a:schemeClr val="accent1">
+              <a:shade val="50000"/>
+            </a:schemeClr>
+          </a:lnRef>
+          <a:fillRef idx="1">
+            <a:schemeClr val="accent1"/>
+          </a:fillRef>
+          <a:effectRef idx="0">
+            <a:schemeClr val="accent1"/>
+          </a:effectRef>
+          <a:fontRef idx="minor">
+            <a:schemeClr val="lt1"/>
+          </a:fontRef>
+        </p:style>
+        <p:txBody>
+          <a:bodyPr rtlCol="0" anchor="ctr"/>
+          <a:lstStyle/>
+          <a:p>
+            <a:pPr algn="ctr"/>
+            <a:r>
+              <a:rPr lang="en-US" altLang="ko-KR" dirty="0"/>
+              <a:t>ML/DL (CNN)</a:t>
+            </a:r>
+            <a:endParaRPr lang="ko-KR" altLang="en-US" dirty="0"/>
+          </a:p>
+        </p:txBody>
+      </p:sp>
+      <p:sp>
+        <p:nvSpPr>
+          <p:cNvPr id="20" name="직사각형 19">
+            <a:extLst>
+              <a:ext uri="{FF2B5EF4-FFF2-40B4-BE49-F238E27FC236}">
+                <a16:creationId xmlns:a16="http://schemas.microsoft.com/office/drawing/2014/main" id="{9C9BC713-BC7A-1B46-3926-14DFBF9F60E8}"/>
+              </a:ext>
+            </a:extLst>
+          </p:cNvPr>
+          <p:cNvSpPr/>
+          <p:nvPr/>
+        </p:nvSpPr>
+        <p:spPr>
+          <a:xfrm>
+            <a:off x="6455863" y="2441540"/>
+            <a:ext cx="1518281" cy="692494"/>
+          </a:xfrm>
+          <a:prstGeom prst="rect">
+            <a:avLst/>
+          </a:prstGeom>
+          <a:solidFill>
+            <a:schemeClr val="bg1">
+              <a:lumMod val="65000"/>
+            </a:schemeClr>
+          </a:solidFill>
+          <a:ln>
+            <a:noFill/>
+          </a:ln>
+        </p:spPr>
+        <p:style>
+          <a:lnRef idx="2">
+            <a:schemeClr val="accent1">
+              <a:shade val="50000"/>
+            </a:schemeClr>
+          </a:lnRef>
+          <a:fillRef idx="1">
+            <a:schemeClr val="accent1"/>
+          </a:fillRef>
+          <a:effectRef idx="0">
+            <a:schemeClr val="accent1"/>
+          </a:effectRef>
+          <a:fontRef idx="minor">
+            <a:schemeClr val="lt1"/>
+          </a:fontRef>
+        </p:style>
+        <p:txBody>
+          <a:bodyPr rtlCol="0" anchor="ctr"/>
+          <a:lstStyle/>
+          <a:p>
+            <a:pPr marL="342900" indent="-342900">
+              <a:buAutoNum type="arabicPeriod"/>
+            </a:pPr>
+            <a:r>
+              <a:rPr lang="en-US" altLang="ko-KR" dirty="0"/>
+              <a:t>Data</a:t>
+            </a:r>
+          </a:p>
+          <a:p>
+            <a:r>
+              <a:rPr lang="en-US" altLang="ko-KR" dirty="0"/>
+              <a:t>Extraction </a:t>
+            </a:r>
+            <a:endParaRPr lang="ko-KR" altLang="en-US" dirty="0"/>
+          </a:p>
+        </p:txBody>
+      </p:sp>
+      <p:sp>
+        <p:nvSpPr>
+          <p:cNvPr id="21" name="직사각형 20">
+            <a:extLst>
+              <a:ext uri="{FF2B5EF4-FFF2-40B4-BE49-F238E27FC236}">
+                <a16:creationId xmlns:a16="http://schemas.microsoft.com/office/drawing/2014/main" id="{47A038DB-5FEA-0F30-BFC5-71ABBCAC0E5A}"/>
+              </a:ext>
+            </a:extLst>
+          </p:cNvPr>
+          <p:cNvSpPr/>
+          <p:nvPr/>
+        </p:nvSpPr>
+        <p:spPr>
+          <a:xfrm>
+            <a:off x="6455863" y="3979997"/>
+            <a:ext cx="1518281" cy="452486"/>
+          </a:xfrm>
+          <a:prstGeom prst="rect">
+            <a:avLst/>
+          </a:prstGeom>
+          <a:solidFill>
+            <a:schemeClr val="bg1">
+              <a:lumMod val="65000"/>
+            </a:schemeClr>
+          </a:solidFill>
+          <a:ln>
+            <a:noFill/>
+          </a:ln>
+        </p:spPr>
+        <p:style>
+          <a:lnRef idx="2">
+            <a:schemeClr val="accent1">
+              <a:shade val="50000"/>
+            </a:schemeClr>
+          </a:lnRef>
+          <a:fillRef idx="1">
+            <a:schemeClr val="accent1"/>
+          </a:fillRef>
+          <a:effectRef idx="0">
+            <a:schemeClr val="accent1"/>
+          </a:effectRef>
+          <a:fontRef idx="minor">
+            <a:schemeClr val="lt1"/>
+          </a:fontRef>
+        </p:style>
+        <p:txBody>
+          <a:bodyPr rtlCol="0" anchor="ctr"/>
+          <a:lstStyle/>
+          <a:p>
+            <a:r>
+              <a:rPr lang="en-US" altLang="ko-KR" dirty="0"/>
+              <a:t>2. Tokenizers</a:t>
+            </a:r>
+            <a:endParaRPr lang="ko-KR" altLang="en-US" dirty="0"/>
+          </a:p>
+        </p:txBody>
+      </p:sp>
+      <p:sp>
+        <p:nvSpPr>
+          <p:cNvPr id="22" name="직사각형 21">
+            <a:extLst>
+              <a:ext uri="{FF2B5EF4-FFF2-40B4-BE49-F238E27FC236}">
+                <a16:creationId xmlns:a16="http://schemas.microsoft.com/office/drawing/2014/main" id="{9CA4AC8F-0ED9-3F83-1C55-0A67BA12DD33}"/>
+              </a:ext>
+            </a:extLst>
+          </p:cNvPr>
+          <p:cNvSpPr/>
+          <p:nvPr/>
+        </p:nvSpPr>
+        <p:spPr>
+          <a:xfrm>
+            <a:off x="6455862" y="5024678"/>
+            <a:ext cx="1518281" cy="692494"/>
+          </a:xfrm>
+          <a:prstGeom prst="rect">
+            <a:avLst/>
+          </a:prstGeom>
+          <a:solidFill>
+            <a:schemeClr val="bg1">
+              <a:lumMod val="65000"/>
+            </a:schemeClr>
+          </a:solidFill>
+          <a:ln>
+            <a:noFill/>
+          </a:ln>
+        </p:spPr>
+        <p:style>
+          <a:lnRef idx="2">
+            <a:schemeClr val="accent1">
+              <a:shade val="50000"/>
+            </a:schemeClr>
+          </a:lnRef>
+          <a:fillRef idx="1">
+            <a:schemeClr val="accent1"/>
+          </a:fillRef>
+          <a:effectRef idx="0">
+            <a:schemeClr val="accent1"/>
+          </a:effectRef>
+          <a:fontRef idx="minor">
+            <a:schemeClr val="lt1"/>
+          </a:fontRef>
+        </p:style>
+        <p:txBody>
+          <a:bodyPr rtlCol="0" anchor="ctr"/>
+          <a:lstStyle/>
+          <a:p>
+            <a:r>
+              <a:rPr lang="en-US" altLang="ko-KR" dirty="0"/>
+              <a:t>3. Word Embedding</a:t>
+            </a:r>
+            <a:endParaRPr lang="ko-KR" altLang="en-US" dirty="0"/>
+          </a:p>
+        </p:txBody>
+      </p:sp>
+      <p:sp>
+        <p:nvSpPr>
+          <p:cNvPr id="23" name="TextBox 22">
+            <a:extLst>
+              <a:ext uri="{FF2B5EF4-FFF2-40B4-BE49-F238E27FC236}">
+                <a16:creationId xmlns:a16="http://schemas.microsoft.com/office/drawing/2014/main" id="{4CA69FD0-EAD4-66CB-A2B5-AEDA01297D49}"/>
+              </a:ext>
+            </a:extLst>
+          </p:cNvPr>
+          <p:cNvSpPr txBox="1"/>
+          <p:nvPr/>
+        </p:nvSpPr>
+        <p:spPr>
+          <a:xfrm>
+            <a:off x="6562348" y="3205401"/>
+            <a:ext cx="2883404" cy="646331"/>
+          </a:xfrm>
+          <a:prstGeom prst="rect">
+            <a:avLst/>
+          </a:prstGeom>
+          <a:noFill/>
+        </p:spPr>
+        <p:txBody>
+          <a:bodyPr wrap="square">
+            <a:spAutoFit/>
+          </a:bodyPr>
+          <a:lstStyle/>
+          <a:p>
+            <a:r>
+              <a:rPr lang="en-US" altLang="ko-KR" dirty="0" err="1"/>
+              <a:t>Hwp</a:t>
+            </a:r>
+            <a:r>
+              <a:rPr lang="en-US" altLang="ko-KR" dirty="0"/>
+              <a:t> -&gt; PDF conversion</a:t>
+            </a:r>
+          </a:p>
+          <a:p>
+            <a:r>
+              <a:rPr lang="en-US" altLang="ko-KR" dirty="0"/>
+              <a:t>JSON conversion</a:t>
+            </a:r>
+          </a:p>
+        </p:txBody>
+      </p:sp>
+      <p:sp>
+        <p:nvSpPr>
+          <p:cNvPr id="24" name="TextBox 23">
+            <a:extLst>
+              <a:ext uri="{FF2B5EF4-FFF2-40B4-BE49-F238E27FC236}">
+                <a16:creationId xmlns:a16="http://schemas.microsoft.com/office/drawing/2014/main" id="{24EA3D8E-25FC-4289-E123-9EE621673F4D}"/>
+              </a:ext>
+            </a:extLst>
+          </p:cNvPr>
+          <p:cNvSpPr txBox="1"/>
+          <p:nvPr/>
+        </p:nvSpPr>
+        <p:spPr>
+          <a:xfrm>
+            <a:off x="6562347" y="4501327"/>
+            <a:ext cx="2983989" cy="369332"/>
+          </a:xfrm>
+          <a:prstGeom prst="rect">
+            <a:avLst/>
+          </a:prstGeom>
+          <a:noFill/>
+        </p:spPr>
+        <p:txBody>
+          <a:bodyPr wrap="square">
+            <a:spAutoFit/>
+          </a:bodyPr>
+          <a:lstStyle/>
+          <a:p>
+            <a:r>
+              <a:rPr lang="en-US" altLang="ko-KR" dirty="0" err="1"/>
+              <a:t>BertWordPieceTokenizer</a:t>
+            </a:r>
+            <a:endParaRPr lang="en-US" altLang="ko-KR" dirty="0"/>
+          </a:p>
+        </p:txBody>
+      </p:sp>
+      <p:sp>
+        <p:nvSpPr>
+          <p:cNvPr id="28" name="TextBox 27">
+            <a:extLst>
+              <a:ext uri="{FF2B5EF4-FFF2-40B4-BE49-F238E27FC236}">
+                <a16:creationId xmlns:a16="http://schemas.microsoft.com/office/drawing/2014/main" id="{B0DC11A2-AE34-9123-83F3-7B81621A6EEE}"/>
+              </a:ext>
+            </a:extLst>
+          </p:cNvPr>
+          <p:cNvSpPr txBox="1"/>
+          <p:nvPr/>
+        </p:nvSpPr>
+        <p:spPr>
+          <a:xfrm>
+            <a:off x="6562347" y="5788096"/>
+            <a:ext cx="2983989" cy="646331"/>
+          </a:xfrm>
+          <a:prstGeom prst="rect">
+            <a:avLst/>
+          </a:prstGeom>
+          <a:noFill/>
+        </p:spPr>
+        <p:txBody>
+          <a:bodyPr wrap="square">
+            <a:spAutoFit/>
+          </a:bodyPr>
+          <a:lstStyle/>
+          <a:p>
+            <a:r>
+              <a:rPr lang="en-US" altLang="ko-KR" dirty="0"/>
+              <a:t>Word2Vec</a:t>
+            </a:r>
+          </a:p>
+          <a:p>
+            <a:r>
+              <a:rPr lang="en-US" altLang="ko-KR" dirty="0"/>
+              <a:t>Skip-</a:t>
+            </a:r>
+            <a:r>
+              <a:rPr lang="en-US" altLang="ko-KR" dirty="0" err="1"/>
+              <a:t>NGram</a:t>
+            </a:r>
+            <a:endParaRPr lang="en-US" altLang="ko-KR" dirty="0"/>
+          </a:p>
+        </p:txBody>
+      </p:sp>
+      <p:sp>
+        <p:nvSpPr>
+          <p:cNvPr id="29" name="직사각형 28">
+            <a:extLst>
+              <a:ext uri="{FF2B5EF4-FFF2-40B4-BE49-F238E27FC236}">
+                <a16:creationId xmlns:a16="http://schemas.microsoft.com/office/drawing/2014/main" id="{194B8FE4-942E-6409-9942-70148503B530}"/>
+              </a:ext>
+            </a:extLst>
+          </p:cNvPr>
+          <p:cNvSpPr/>
+          <p:nvPr/>
+        </p:nvSpPr>
+        <p:spPr>
+          <a:xfrm>
+            <a:off x="9445752" y="2441540"/>
+            <a:ext cx="1518281" cy="452486"/>
+          </a:xfrm>
+          <a:prstGeom prst="rect">
+            <a:avLst/>
+          </a:prstGeom>
+          <a:solidFill>
+            <a:schemeClr val="bg1">
+              <a:lumMod val="65000"/>
+            </a:schemeClr>
+          </a:solidFill>
+          <a:ln>
+            <a:noFill/>
+          </a:ln>
+        </p:spPr>
+        <p:style>
+          <a:lnRef idx="2">
+            <a:schemeClr val="accent1">
+              <a:shade val="50000"/>
+            </a:schemeClr>
+          </a:lnRef>
+          <a:fillRef idx="1">
+            <a:schemeClr val="accent1"/>
+          </a:fillRef>
+          <a:effectRef idx="0">
+            <a:schemeClr val="accent1"/>
+          </a:effectRef>
+          <a:fontRef idx="minor">
+            <a:schemeClr val="lt1"/>
+          </a:fontRef>
+        </p:style>
+        <p:txBody>
+          <a:bodyPr rtlCol="0" anchor="ctr"/>
+          <a:lstStyle/>
+          <a:p>
+            <a:r>
+              <a:rPr lang="en-US" altLang="ko-KR" dirty="0"/>
+              <a:t>4. Model</a:t>
+            </a:r>
+            <a:endParaRPr lang="ko-KR" altLang="en-US" dirty="0"/>
+          </a:p>
+        </p:txBody>
+      </p:sp>
+      <p:sp>
+        <p:nvSpPr>
+          <p:cNvPr id="30" name="TextBox 29">
+            <a:extLst>
+              <a:ext uri="{FF2B5EF4-FFF2-40B4-BE49-F238E27FC236}">
+                <a16:creationId xmlns:a16="http://schemas.microsoft.com/office/drawing/2014/main" id="{08E47B8F-958D-5E15-8A1C-3C7B643C502E}"/>
+              </a:ext>
+            </a:extLst>
+          </p:cNvPr>
+          <p:cNvSpPr txBox="1"/>
+          <p:nvPr/>
+        </p:nvSpPr>
+        <p:spPr>
+          <a:xfrm>
+            <a:off x="9445752" y="3035101"/>
+            <a:ext cx="2883404" cy="369332"/>
+          </a:xfrm>
+          <a:prstGeom prst="rect">
+            <a:avLst/>
+          </a:prstGeom>
+          <a:noFill/>
+        </p:spPr>
+        <p:txBody>
+          <a:bodyPr wrap="square">
+            <a:spAutoFit/>
+          </a:bodyPr>
+          <a:lstStyle/>
+          <a:p>
+            <a:r>
+              <a:rPr lang="en-US" altLang="ko-KR" dirty="0"/>
+              <a:t>Base - </a:t>
+            </a:r>
+            <a:r>
+              <a:rPr lang="en-US" altLang="ko-KR" dirty="0" err="1"/>
+              <a:t>Pytorch</a:t>
+            </a:r>
+            <a:endParaRPr lang="en-US" altLang="ko-KR" dirty="0"/>
+          </a:p>
+        </p:txBody>
+      </p:sp>
+      <p:sp>
+        <p:nvSpPr>
+          <p:cNvPr id="31" name="직사각형 30">
+            <a:extLst>
+              <a:ext uri="{FF2B5EF4-FFF2-40B4-BE49-F238E27FC236}">
+                <a16:creationId xmlns:a16="http://schemas.microsoft.com/office/drawing/2014/main" id="{C0C42A12-649E-558D-EFCC-506F71D05A00}"/>
+              </a:ext>
+            </a:extLst>
+          </p:cNvPr>
+          <p:cNvSpPr/>
+          <p:nvPr/>
+        </p:nvSpPr>
+        <p:spPr>
+          <a:xfrm>
+            <a:off x="3479668" y="4140252"/>
+            <a:ext cx="2056268" cy="584462"/>
+          </a:xfrm>
+          <a:prstGeom prst="rect">
+            <a:avLst/>
+          </a:prstGeom>
+          <a:solidFill>
+            <a:schemeClr val="accent2">
+              <a:lumMod val="75000"/>
+            </a:schemeClr>
+          </a:solidFill>
+          <a:ln>
+            <a:noFill/>
+          </a:ln>
+        </p:spPr>
+        <p:style>
+          <a:lnRef idx="2">
+            <a:schemeClr val="accent1">
+              <a:shade val="50000"/>
+            </a:schemeClr>
+          </a:lnRef>
+          <a:fillRef idx="1">
+            <a:schemeClr val="accent1"/>
+          </a:fillRef>
+          <a:effectRef idx="0">
+            <a:schemeClr val="accent1"/>
+          </a:effectRef>
+          <a:fontRef idx="minor">
+            <a:schemeClr val="lt1"/>
+          </a:fontRef>
+        </p:style>
+        <p:txBody>
+          <a:bodyPr rtlCol="0" anchor="ctr"/>
+          <a:lstStyle/>
+          <a:p>
+            <a:pPr algn="ctr"/>
+            <a:r>
+              <a:rPr lang="en-US" altLang="ko-KR" dirty="0"/>
+              <a:t>ML/DL (OCR)</a:t>
+            </a:r>
+            <a:endParaRPr lang="ko-KR" altLang="en-US" dirty="0"/>
+          </a:p>
+        </p:txBody>
+      </p:sp>
+      <p:sp>
+        <p:nvSpPr>
+          <p:cNvPr id="32" name="직사각형 31">
+            <a:extLst>
+              <a:ext uri="{FF2B5EF4-FFF2-40B4-BE49-F238E27FC236}">
+                <a16:creationId xmlns:a16="http://schemas.microsoft.com/office/drawing/2014/main" id="{2CBFF506-DDB3-1A05-414E-A5C326946A45}"/>
+              </a:ext>
+            </a:extLst>
+          </p:cNvPr>
+          <p:cNvSpPr/>
+          <p:nvPr/>
+        </p:nvSpPr>
+        <p:spPr>
+          <a:xfrm>
+            <a:off x="3748663" y="4943011"/>
+            <a:ext cx="1518281" cy="692495"/>
+          </a:xfrm>
+          <a:prstGeom prst="rect">
+            <a:avLst/>
+          </a:prstGeom>
+          <a:solidFill>
+            <a:schemeClr val="accent2">
+              <a:lumMod val="60000"/>
+              <a:lumOff val="40000"/>
+            </a:schemeClr>
+          </a:solidFill>
+          <a:ln>
+            <a:noFill/>
+          </a:ln>
+        </p:spPr>
+        <p:style>
+          <a:lnRef idx="2">
+            <a:schemeClr val="accent1">
+              <a:shade val="50000"/>
+            </a:schemeClr>
+          </a:lnRef>
+          <a:fillRef idx="1">
+            <a:schemeClr val="accent1"/>
+          </a:fillRef>
+          <a:effectRef idx="0">
+            <a:schemeClr val="accent1"/>
+          </a:effectRef>
+          <a:fontRef idx="minor">
+            <a:schemeClr val="lt1"/>
+          </a:fontRef>
+        </p:style>
+        <p:txBody>
+          <a:bodyPr rtlCol="0" anchor="ctr"/>
+          <a:lstStyle/>
+          <a:p>
+            <a:pPr marL="342900" indent="-342900">
+              <a:buAutoNum type="arabicPeriod"/>
+            </a:pPr>
+            <a:r>
+              <a:rPr lang="en-US" altLang="ko-KR" dirty="0"/>
+              <a:t>Tesseract OCR</a:t>
+            </a:r>
+            <a:endParaRPr lang="ko-KR" altLang="en-US" dirty="0"/>
+          </a:p>
+        </p:txBody>
+      </p:sp>
+      <p:sp>
+        <p:nvSpPr>
+          <p:cNvPr id="33" name="직사각형 32">
+            <a:extLst>
+              <a:ext uri="{FF2B5EF4-FFF2-40B4-BE49-F238E27FC236}">
+                <a16:creationId xmlns:a16="http://schemas.microsoft.com/office/drawing/2014/main" id="{4C2FA620-2FB6-7A87-F21B-957AD37DDD8B}"/>
+              </a:ext>
+            </a:extLst>
+          </p:cNvPr>
+          <p:cNvSpPr/>
+          <p:nvPr/>
+        </p:nvSpPr>
+        <p:spPr>
+          <a:xfrm>
+            <a:off x="9445751" y="3710621"/>
+            <a:ext cx="1518281" cy="452486"/>
+          </a:xfrm>
+          <a:prstGeom prst="rect">
+            <a:avLst/>
+          </a:prstGeom>
+          <a:solidFill>
+            <a:schemeClr val="bg1">
+              <a:lumMod val="65000"/>
+            </a:schemeClr>
+          </a:solidFill>
+          <a:ln>
+            <a:noFill/>
+          </a:ln>
+        </p:spPr>
+        <p:style>
+          <a:lnRef idx="2">
+            <a:schemeClr val="accent1">
+              <a:shade val="50000"/>
+            </a:schemeClr>
+          </a:lnRef>
+          <a:fillRef idx="1">
+            <a:schemeClr val="accent1"/>
+          </a:fillRef>
+          <a:effectRef idx="0">
+            <a:schemeClr val="accent1"/>
+          </a:effectRef>
+          <a:fontRef idx="minor">
+            <a:schemeClr val="lt1"/>
+          </a:fontRef>
+        </p:style>
+        <p:txBody>
+          <a:bodyPr rtlCol="0" anchor="ctr"/>
+          <a:lstStyle/>
+          <a:p>
+            <a:r>
+              <a:rPr lang="en-US" altLang="ko-KR" dirty="0"/>
+              <a:t>5. Testing</a:t>
+            </a:r>
+            <a:endParaRPr lang="ko-KR" altLang="en-US" dirty="0"/>
+          </a:p>
+        </p:txBody>
+      </p:sp>
+      <p:sp>
+        <p:nvSpPr>
+          <p:cNvPr id="34" name="TextBox 33">
+            <a:extLst>
+              <a:ext uri="{FF2B5EF4-FFF2-40B4-BE49-F238E27FC236}">
+                <a16:creationId xmlns:a16="http://schemas.microsoft.com/office/drawing/2014/main" id="{2744E52B-4D80-C6E9-8CB6-38B70A12DC76}"/>
+              </a:ext>
+            </a:extLst>
+          </p:cNvPr>
+          <p:cNvSpPr txBox="1"/>
+          <p:nvPr/>
+        </p:nvSpPr>
+        <p:spPr>
+          <a:xfrm>
+            <a:off x="3748663" y="5788096"/>
+            <a:ext cx="1823275" cy="369332"/>
+          </a:xfrm>
+          <a:prstGeom prst="rect">
+            <a:avLst/>
+          </a:prstGeom>
+          <a:noFill/>
+        </p:spPr>
+        <p:txBody>
+          <a:bodyPr wrap="square">
+            <a:spAutoFit/>
+          </a:bodyPr>
+          <a:lstStyle/>
+          <a:p>
+            <a:r>
+              <a:rPr lang="en-US" altLang="ko-KR" dirty="0" err="1"/>
+              <a:t>Kor.traineddata</a:t>
+            </a:r>
+            <a:endParaRPr lang="en-US" altLang="ko-KR" dirty="0"/>
           </a:p>
         </p:txBody>
       </p:sp>
